--- a/Class 4 Slides.pptx
+++ b/Class 4 Slides.pptx
@@ -5,40 +5,35 @@
     <p:sldMasterId id="2147483659" r:id="rId1"/>
   </p:sldMasterIdLst>
   <p:notesMasterIdLst>
-    <p:notesMasterId r:id="rId23"/>
+    <p:notesMasterId r:id="rId18"/>
   </p:notesMasterIdLst>
   <p:sldIdLst>
     <p:sldId id="256" r:id="rId2"/>
-    <p:sldId id="259" r:id="rId3"/>
-    <p:sldId id="260" r:id="rId4"/>
-    <p:sldId id="261" r:id="rId5"/>
-    <p:sldId id="263" r:id="rId6"/>
-    <p:sldId id="290" r:id="rId7"/>
-    <p:sldId id="278" r:id="rId8"/>
-    <p:sldId id="291" r:id="rId9"/>
-    <p:sldId id="292" r:id="rId10"/>
-    <p:sldId id="293" r:id="rId11"/>
-    <p:sldId id="294" r:id="rId12"/>
-    <p:sldId id="279" r:id="rId13"/>
-    <p:sldId id="280" r:id="rId14"/>
-    <p:sldId id="281" r:id="rId15"/>
-    <p:sldId id="282" r:id="rId16"/>
-    <p:sldId id="283" r:id="rId17"/>
-    <p:sldId id="285" r:id="rId18"/>
-    <p:sldId id="286" r:id="rId19"/>
-    <p:sldId id="287" r:id="rId20"/>
-    <p:sldId id="288" r:id="rId21"/>
-    <p:sldId id="289" r:id="rId22"/>
+    <p:sldId id="260" r:id="rId3"/>
+    <p:sldId id="261" r:id="rId4"/>
+    <p:sldId id="263" r:id="rId5"/>
+    <p:sldId id="290" r:id="rId6"/>
+    <p:sldId id="278" r:id="rId7"/>
+    <p:sldId id="291" r:id="rId8"/>
+    <p:sldId id="292" r:id="rId9"/>
+    <p:sldId id="293" r:id="rId10"/>
+    <p:sldId id="294" r:id="rId11"/>
+    <p:sldId id="279" r:id="rId12"/>
+    <p:sldId id="280" r:id="rId13"/>
+    <p:sldId id="281" r:id="rId14"/>
+    <p:sldId id="282" r:id="rId15"/>
+    <p:sldId id="283" r:id="rId16"/>
+    <p:sldId id="285" r:id="rId17"/>
   </p:sldIdLst>
   <p:sldSz cx="9144000" cy="5143500" type="screen16x9"/>
   <p:notesSz cx="6858000" cy="9144000"/>
   <p:embeddedFontLst>
     <p:embeddedFont>
       <p:font typeface="Roboto" panose="02000000000000000000" pitchFamily="2" charset="0"/>
-      <p:regular r:id="rId24"/>
-      <p:bold r:id="rId25"/>
-      <p:italic r:id="rId26"/>
-      <p:boldItalic r:id="rId27"/>
+      <p:regular r:id="rId19"/>
+      <p:bold r:id="rId20"/>
+      <p:italic r:id="rId21"/>
+      <p:boldItalic r:id="rId22"/>
     </p:embeddedFont>
   </p:embeddedFontLst>
   <p:defaultTextStyle>
@@ -828,110 +823,6 @@
   <p:cSld>
     <p:spTree>
       <p:nvGrpSpPr>
-        <p:cNvPr id="1" name="Shape 254"/>
-        <p:cNvGrpSpPr/>
-        <p:nvPr/>
-      </p:nvGrpSpPr>
-      <p:grpSpPr>
-        <a:xfrm>
-          <a:off x="0" y="0"/>
-          <a:ext cx="0" cy="0"/>
-          <a:chOff x="0" y="0"/>
-          <a:chExt cx="0" cy="0"/>
-        </a:xfrm>
-      </p:grpSpPr>
-      <p:sp>
-        <p:nvSpPr>
-          <p:cNvPr id="255" name="Google Shape;255;g30573a858f_0_20:notes"/>
-          <p:cNvSpPr>
-            <a:spLocks noGrp="1" noRot="1" noChangeAspect="1"/>
-          </p:cNvSpPr>
-          <p:nvPr>
-            <p:ph type="sldImg" idx="2"/>
-          </p:nvPr>
-        </p:nvSpPr>
-        <p:spPr>
-          <a:xfrm>
-            <a:off x="381000" y="685800"/>
-            <a:ext cx="6096000" cy="3429000"/>
-          </a:xfrm>
-          <a:custGeom>
-            <a:avLst/>
-            <a:gdLst/>
-            <a:ahLst/>
-            <a:cxnLst/>
-            <a:rect l="l" t="t" r="r" b="b"/>
-            <a:pathLst>
-              <a:path w="120000" h="120000" extrusionOk="0">
-                <a:moveTo>
-                  <a:pt x="0" y="0"/>
-                </a:moveTo>
-                <a:lnTo>
-                  <a:pt x="120000" y="0"/>
-                </a:lnTo>
-                <a:lnTo>
-                  <a:pt x="120000" y="120000"/>
-                </a:lnTo>
-                <a:lnTo>
-                  <a:pt x="0" y="120000"/>
-                </a:lnTo>
-                <a:close/>
-              </a:path>
-            </a:pathLst>
-          </a:custGeom>
-        </p:spPr>
-      </p:sp>
-      <p:sp>
-        <p:nvSpPr>
-          <p:cNvPr id="256" name="Google Shape;256;g30573a858f_0_20:notes"/>
-          <p:cNvSpPr txBox="1">
-            <a:spLocks noGrp="1"/>
-          </p:cNvSpPr>
-          <p:nvPr>
-            <p:ph type="body" idx="1"/>
-          </p:nvPr>
-        </p:nvSpPr>
-        <p:spPr>
-          <a:xfrm>
-            <a:off x="685800" y="4343400"/>
-            <a:ext cx="5486400" cy="4114800"/>
-          </a:xfrm>
-          <a:prstGeom prst="rect">
-            <a:avLst/>
-          </a:prstGeom>
-        </p:spPr>
-        <p:txBody>
-          <a:bodyPr spcFirstLastPara="1" wrap="square" lIns="91425" tIns="91425" rIns="91425" bIns="91425" anchor="t" anchorCtr="0">
-            <a:noAutofit/>
-          </a:bodyPr>
-          <a:lstStyle/>
-          <a:p>
-            <a:pPr marL="0" lvl="0" indent="0" algn="l" rtl="0">
-              <a:spcBef>
-                <a:spcPts val="0"/>
-              </a:spcBef>
-              <a:spcAft>
-                <a:spcPts val="0"/>
-              </a:spcAft>
-              <a:buNone/>
-            </a:pPr>
-            <a:endParaRPr/>
-          </a:p>
-        </p:txBody>
-      </p:sp>
-    </p:spTree>
-  </p:cSld>
-  <p:clrMapOvr>
-    <a:masterClrMapping/>
-  </p:clrMapOvr>
-</p:notes>
-</file>
-
-<file path=ppt/notesSlides/notesSlide11.xml><?xml version="1.0" encoding="utf-8"?>
-<p:notes xmlns:a="http://schemas.openxmlformats.org/drawingml/2006/main" xmlns:r="http://schemas.openxmlformats.org/officeDocument/2006/relationships" xmlns:p="http://schemas.openxmlformats.org/presentationml/2006/main" showMasterSp="0" showMasterPhAnim="0">
-  <p:cSld>
-    <p:spTree>
-      <p:nvGrpSpPr>
         <p:cNvPr id="1" name="Shape 261"/>
         <p:cNvGrpSpPr/>
         <p:nvPr/>
@@ -1070,7 +961,7 @@
 </p:notes>
 </file>
 
-<file path=ppt/notesSlides/notesSlide12.xml><?xml version="1.0" encoding="utf-8"?>
+<file path=ppt/notesSlides/notesSlide11.xml><?xml version="1.0" encoding="utf-8"?>
 <p:notes xmlns:a="http://schemas.openxmlformats.org/drawingml/2006/main" xmlns:r="http://schemas.openxmlformats.org/officeDocument/2006/relationships" xmlns:p="http://schemas.openxmlformats.org/presentationml/2006/main" showMasterSp="0" showMasterPhAnim="0">
   <p:cSld>
     <p:spTree>
@@ -1174,7 +1065,7 @@
 </p:notes>
 </file>
 
-<file path=ppt/notesSlides/notesSlide13.xml><?xml version="1.0" encoding="utf-8"?>
+<file path=ppt/notesSlides/notesSlide12.xml><?xml version="1.0" encoding="utf-8"?>
 <p:notes xmlns:a="http://schemas.openxmlformats.org/drawingml/2006/main" xmlns:r="http://schemas.openxmlformats.org/officeDocument/2006/relationships" xmlns:p="http://schemas.openxmlformats.org/presentationml/2006/main" showMasterSp="0" showMasterPhAnim="0">
   <p:cSld>
     <p:spTree>
@@ -1278,7 +1169,7 @@
 </p:notes>
 </file>
 
-<file path=ppt/notesSlides/notesSlide14.xml><?xml version="1.0" encoding="utf-8"?>
+<file path=ppt/notesSlides/notesSlide13.xml><?xml version="1.0" encoding="utf-8"?>
 <p:notes xmlns:a="http://schemas.openxmlformats.org/drawingml/2006/main" xmlns:r="http://schemas.openxmlformats.org/officeDocument/2006/relationships" xmlns:p="http://schemas.openxmlformats.org/presentationml/2006/main" showMasterSp="0" showMasterPhAnim="0">
   <p:cSld>
     <p:spTree>
@@ -1382,7 +1273,7 @@
 </p:notes>
 </file>
 
-<file path=ppt/notesSlides/notesSlide15.xml><?xml version="1.0" encoding="utf-8"?>
+<file path=ppt/notesSlides/notesSlide14.xml><?xml version="1.0" encoding="utf-8"?>
 <p:notes xmlns:a="http://schemas.openxmlformats.org/drawingml/2006/main" xmlns:r="http://schemas.openxmlformats.org/officeDocument/2006/relationships" xmlns:p="http://schemas.openxmlformats.org/presentationml/2006/main" showMasterSp="0" showMasterPhAnim="0">
   <p:cSld>
     <p:spTree>
@@ -1486,7 +1377,7 @@
 </p:notes>
 </file>
 
-<file path=ppt/notesSlides/notesSlide16.xml><?xml version="1.0" encoding="utf-8"?>
+<file path=ppt/notesSlides/notesSlide15.xml><?xml version="1.0" encoding="utf-8"?>
 <p:notes xmlns:a="http://schemas.openxmlformats.org/drawingml/2006/main" xmlns:r="http://schemas.openxmlformats.org/officeDocument/2006/relationships" xmlns:p="http://schemas.openxmlformats.org/presentationml/2006/main" showMasterSp="0" showMasterPhAnim="0">
   <p:cSld>
     <p:spTree>
@@ -1590,7 +1481,7 @@
 </p:notes>
 </file>
 
-<file path=ppt/notesSlides/notesSlide17.xml><?xml version="1.0" encoding="utf-8"?>
+<file path=ppt/notesSlides/notesSlide16.xml><?xml version="1.0" encoding="utf-8"?>
 <p:notes xmlns:a="http://schemas.openxmlformats.org/drawingml/2006/main" xmlns:r="http://schemas.openxmlformats.org/officeDocument/2006/relationships" xmlns:p="http://schemas.openxmlformats.org/presentationml/2006/main" showMasterSp="0" showMasterPhAnim="0">
   <p:cSld>
     <p:spTree>
@@ -1694,527 +1585,7 @@
 </p:notes>
 </file>
 
-<file path=ppt/notesSlides/notesSlide18.xml><?xml version="1.0" encoding="utf-8"?>
-<p:notes xmlns:a="http://schemas.openxmlformats.org/drawingml/2006/main" xmlns:r="http://schemas.openxmlformats.org/officeDocument/2006/relationships" xmlns:p="http://schemas.openxmlformats.org/presentationml/2006/main" showMasterSp="0" showMasterPhAnim="0">
-  <p:cSld>
-    <p:spTree>
-      <p:nvGrpSpPr>
-        <p:cNvPr id="1" name="Shape 310"/>
-        <p:cNvGrpSpPr/>
-        <p:nvPr/>
-      </p:nvGrpSpPr>
-      <p:grpSpPr>
-        <a:xfrm>
-          <a:off x="0" y="0"/>
-          <a:ext cx="0" cy="0"/>
-          <a:chOff x="0" y="0"/>
-          <a:chExt cx="0" cy="0"/>
-        </a:xfrm>
-      </p:grpSpPr>
-      <p:sp>
-        <p:nvSpPr>
-          <p:cNvPr id="311" name="Google Shape;311;g305663c492_0_7:notes"/>
-          <p:cNvSpPr>
-            <a:spLocks noGrp="1" noRot="1" noChangeAspect="1"/>
-          </p:cNvSpPr>
-          <p:nvPr>
-            <p:ph type="sldImg" idx="2"/>
-          </p:nvPr>
-        </p:nvSpPr>
-        <p:spPr>
-          <a:xfrm>
-            <a:off x="381300" y="685800"/>
-            <a:ext cx="6096000" cy="3429000"/>
-          </a:xfrm>
-          <a:custGeom>
-            <a:avLst/>
-            <a:gdLst/>
-            <a:ahLst/>
-            <a:cxnLst/>
-            <a:rect l="l" t="t" r="r" b="b"/>
-            <a:pathLst>
-              <a:path w="120000" h="120000" extrusionOk="0">
-                <a:moveTo>
-                  <a:pt x="0" y="0"/>
-                </a:moveTo>
-                <a:lnTo>
-                  <a:pt x="120000" y="0"/>
-                </a:lnTo>
-                <a:lnTo>
-                  <a:pt x="120000" y="120000"/>
-                </a:lnTo>
-                <a:lnTo>
-                  <a:pt x="0" y="120000"/>
-                </a:lnTo>
-                <a:close/>
-              </a:path>
-            </a:pathLst>
-          </a:custGeom>
-        </p:spPr>
-      </p:sp>
-      <p:sp>
-        <p:nvSpPr>
-          <p:cNvPr id="312" name="Google Shape;312;g305663c492_0_7:notes"/>
-          <p:cNvSpPr txBox="1">
-            <a:spLocks noGrp="1"/>
-          </p:cNvSpPr>
-          <p:nvPr>
-            <p:ph type="body" idx="1"/>
-          </p:nvPr>
-        </p:nvSpPr>
-        <p:spPr>
-          <a:xfrm>
-            <a:off x="685800" y="4343400"/>
-            <a:ext cx="5486400" cy="4114800"/>
-          </a:xfrm>
-          <a:prstGeom prst="rect">
-            <a:avLst/>
-          </a:prstGeom>
-        </p:spPr>
-        <p:txBody>
-          <a:bodyPr spcFirstLastPara="1" wrap="square" lIns="91425" tIns="91425" rIns="91425" bIns="91425" anchor="t" anchorCtr="0">
-            <a:noAutofit/>
-          </a:bodyPr>
-          <a:lstStyle/>
-          <a:p>
-            <a:pPr marL="0" lvl="0" indent="0" algn="l" rtl="0">
-              <a:spcBef>
-                <a:spcPts val="0"/>
-              </a:spcBef>
-              <a:spcAft>
-                <a:spcPts val="0"/>
-              </a:spcAft>
-              <a:buNone/>
-            </a:pPr>
-            <a:endParaRPr/>
-          </a:p>
-        </p:txBody>
-      </p:sp>
-    </p:spTree>
-  </p:cSld>
-  <p:clrMapOvr>
-    <a:masterClrMapping/>
-  </p:clrMapOvr>
-</p:notes>
-</file>
-
-<file path=ppt/notesSlides/notesSlide19.xml><?xml version="1.0" encoding="utf-8"?>
-<p:notes xmlns:a="http://schemas.openxmlformats.org/drawingml/2006/main" xmlns:r="http://schemas.openxmlformats.org/officeDocument/2006/relationships" xmlns:p="http://schemas.openxmlformats.org/presentationml/2006/main" showMasterSp="0" showMasterPhAnim="0">
-  <p:cSld>
-    <p:spTree>
-      <p:nvGrpSpPr>
-        <p:cNvPr id="1" name="Shape 315"/>
-        <p:cNvGrpSpPr/>
-        <p:nvPr/>
-      </p:nvGrpSpPr>
-      <p:grpSpPr>
-        <a:xfrm>
-          <a:off x="0" y="0"/>
-          <a:ext cx="0" cy="0"/>
-          <a:chOff x="0" y="0"/>
-          <a:chExt cx="0" cy="0"/>
-        </a:xfrm>
-      </p:grpSpPr>
-      <p:sp>
-        <p:nvSpPr>
-          <p:cNvPr id="316" name="Google Shape;316;g3e67ec1d92_0_135:notes"/>
-          <p:cNvSpPr>
-            <a:spLocks noGrp="1" noRot="1" noChangeAspect="1"/>
-          </p:cNvSpPr>
-          <p:nvPr>
-            <p:ph type="sldImg" idx="2"/>
-          </p:nvPr>
-        </p:nvSpPr>
-        <p:spPr>
-          <a:xfrm>
-            <a:off x="381300" y="685800"/>
-            <a:ext cx="6096000" cy="3429000"/>
-          </a:xfrm>
-          <a:custGeom>
-            <a:avLst/>
-            <a:gdLst/>
-            <a:ahLst/>
-            <a:cxnLst/>
-            <a:rect l="l" t="t" r="r" b="b"/>
-            <a:pathLst>
-              <a:path w="120000" h="120000" extrusionOk="0">
-                <a:moveTo>
-                  <a:pt x="0" y="0"/>
-                </a:moveTo>
-                <a:lnTo>
-                  <a:pt x="120000" y="0"/>
-                </a:lnTo>
-                <a:lnTo>
-                  <a:pt x="120000" y="120000"/>
-                </a:lnTo>
-                <a:lnTo>
-                  <a:pt x="0" y="120000"/>
-                </a:lnTo>
-                <a:close/>
-              </a:path>
-            </a:pathLst>
-          </a:custGeom>
-        </p:spPr>
-      </p:sp>
-      <p:sp>
-        <p:nvSpPr>
-          <p:cNvPr id="317" name="Google Shape;317;g3e67ec1d92_0_135:notes"/>
-          <p:cNvSpPr txBox="1">
-            <a:spLocks noGrp="1"/>
-          </p:cNvSpPr>
-          <p:nvPr>
-            <p:ph type="body" idx="1"/>
-          </p:nvPr>
-        </p:nvSpPr>
-        <p:spPr>
-          <a:xfrm>
-            <a:off x="685800" y="4343400"/>
-            <a:ext cx="5486400" cy="4114800"/>
-          </a:xfrm>
-          <a:prstGeom prst="rect">
-            <a:avLst/>
-          </a:prstGeom>
-        </p:spPr>
-        <p:txBody>
-          <a:bodyPr spcFirstLastPara="1" wrap="square" lIns="91425" tIns="91425" rIns="91425" bIns="91425" anchor="t" anchorCtr="0">
-            <a:noAutofit/>
-          </a:bodyPr>
-          <a:lstStyle/>
-          <a:p>
-            <a:pPr marL="0" lvl="0" indent="0" algn="l" rtl="0">
-              <a:spcBef>
-                <a:spcPts val="0"/>
-              </a:spcBef>
-              <a:spcAft>
-                <a:spcPts val="0"/>
-              </a:spcAft>
-              <a:buNone/>
-            </a:pPr>
-            <a:endParaRPr/>
-          </a:p>
-        </p:txBody>
-      </p:sp>
-    </p:spTree>
-  </p:cSld>
-  <p:clrMapOvr>
-    <a:masterClrMapping/>
-  </p:clrMapOvr>
-</p:notes>
-</file>
-
 <file path=ppt/notesSlides/notesSlide2.xml><?xml version="1.0" encoding="utf-8"?>
-<p:notes xmlns:a="http://schemas.openxmlformats.org/drawingml/2006/main" xmlns:r="http://schemas.openxmlformats.org/officeDocument/2006/relationships" xmlns:p="http://schemas.openxmlformats.org/presentationml/2006/main" showMasterSp="0" showMasterPhAnim="0">
-  <p:cSld>
-    <p:spTree>
-      <p:nvGrpSpPr>
-        <p:cNvPr id="1" name="Shape 86"/>
-        <p:cNvGrpSpPr/>
-        <p:nvPr/>
-      </p:nvGrpSpPr>
-      <p:grpSpPr>
-        <a:xfrm>
-          <a:off x="0" y="0"/>
-          <a:ext cx="0" cy="0"/>
-          <a:chOff x="0" y="0"/>
-          <a:chExt cx="0" cy="0"/>
-        </a:xfrm>
-      </p:grpSpPr>
-      <p:sp>
-        <p:nvSpPr>
-          <p:cNvPr id="87" name="Google Shape;87;g2ee46128ea_0_150:notes"/>
-          <p:cNvSpPr>
-            <a:spLocks noGrp="1" noRot="1" noChangeAspect="1"/>
-          </p:cNvSpPr>
-          <p:nvPr>
-            <p:ph type="sldImg" idx="2"/>
-          </p:nvPr>
-        </p:nvSpPr>
-        <p:spPr>
-          <a:xfrm>
-            <a:off x="381300" y="685800"/>
-            <a:ext cx="6096000" cy="3429000"/>
-          </a:xfrm>
-          <a:custGeom>
-            <a:avLst/>
-            <a:gdLst/>
-            <a:ahLst/>
-            <a:cxnLst/>
-            <a:rect l="l" t="t" r="r" b="b"/>
-            <a:pathLst>
-              <a:path w="120000" h="120000" extrusionOk="0">
-                <a:moveTo>
-                  <a:pt x="0" y="0"/>
-                </a:moveTo>
-                <a:lnTo>
-                  <a:pt x="120000" y="0"/>
-                </a:lnTo>
-                <a:lnTo>
-                  <a:pt x="120000" y="120000"/>
-                </a:lnTo>
-                <a:lnTo>
-                  <a:pt x="0" y="120000"/>
-                </a:lnTo>
-                <a:close/>
-              </a:path>
-            </a:pathLst>
-          </a:custGeom>
-        </p:spPr>
-      </p:sp>
-      <p:sp>
-        <p:nvSpPr>
-          <p:cNvPr id="88" name="Google Shape;88;g2ee46128ea_0_150:notes"/>
-          <p:cNvSpPr txBox="1">
-            <a:spLocks noGrp="1"/>
-          </p:cNvSpPr>
-          <p:nvPr>
-            <p:ph type="body" idx="1"/>
-          </p:nvPr>
-        </p:nvSpPr>
-        <p:spPr>
-          <a:xfrm>
-            <a:off x="685800" y="4343400"/>
-            <a:ext cx="5486400" cy="4114800"/>
-          </a:xfrm>
-          <a:prstGeom prst="rect">
-            <a:avLst/>
-          </a:prstGeom>
-        </p:spPr>
-        <p:txBody>
-          <a:bodyPr spcFirstLastPara="1" wrap="square" lIns="91425" tIns="91425" rIns="91425" bIns="91425" anchor="t" anchorCtr="0">
-            <a:noAutofit/>
-          </a:bodyPr>
-          <a:lstStyle/>
-          <a:p>
-            <a:pPr marL="0" lvl="0" indent="0" algn="l" rtl="0">
-              <a:spcBef>
-                <a:spcPts val="0"/>
-              </a:spcBef>
-              <a:spcAft>
-                <a:spcPts val="0"/>
-              </a:spcAft>
-              <a:buNone/>
-            </a:pPr>
-            <a:endParaRPr/>
-          </a:p>
-        </p:txBody>
-      </p:sp>
-    </p:spTree>
-  </p:cSld>
-  <p:clrMapOvr>
-    <a:masterClrMapping/>
-  </p:clrMapOvr>
-</p:notes>
-</file>
-
-<file path=ppt/notesSlides/notesSlide20.xml><?xml version="1.0" encoding="utf-8"?>
-<p:notes xmlns:a="http://schemas.openxmlformats.org/drawingml/2006/main" xmlns:r="http://schemas.openxmlformats.org/officeDocument/2006/relationships" xmlns:p="http://schemas.openxmlformats.org/presentationml/2006/main" showMasterSp="0" showMasterPhAnim="0">
-  <p:cSld>
-    <p:spTree>
-      <p:nvGrpSpPr>
-        <p:cNvPr id="1" name="Shape 321"/>
-        <p:cNvGrpSpPr/>
-        <p:nvPr/>
-      </p:nvGrpSpPr>
-      <p:grpSpPr>
-        <a:xfrm>
-          <a:off x="0" y="0"/>
-          <a:ext cx="0" cy="0"/>
-          <a:chOff x="0" y="0"/>
-          <a:chExt cx="0" cy="0"/>
-        </a:xfrm>
-      </p:grpSpPr>
-      <p:sp>
-        <p:nvSpPr>
-          <p:cNvPr id="322" name="Google Shape;322;g400fb8875d_0_185:notes"/>
-          <p:cNvSpPr>
-            <a:spLocks noGrp="1" noRot="1" noChangeAspect="1"/>
-          </p:cNvSpPr>
-          <p:nvPr>
-            <p:ph type="sldImg" idx="2"/>
-          </p:nvPr>
-        </p:nvSpPr>
-        <p:spPr>
-          <a:xfrm>
-            <a:off x="381000" y="685800"/>
-            <a:ext cx="6096000" cy="3429000"/>
-          </a:xfrm>
-          <a:custGeom>
-            <a:avLst/>
-            <a:gdLst/>
-            <a:ahLst/>
-            <a:cxnLst/>
-            <a:rect l="l" t="t" r="r" b="b"/>
-            <a:pathLst>
-              <a:path w="120000" h="120000" extrusionOk="0">
-                <a:moveTo>
-                  <a:pt x="0" y="0"/>
-                </a:moveTo>
-                <a:lnTo>
-                  <a:pt x="120000" y="0"/>
-                </a:lnTo>
-                <a:lnTo>
-                  <a:pt x="120000" y="120000"/>
-                </a:lnTo>
-                <a:lnTo>
-                  <a:pt x="0" y="120000"/>
-                </a:lnTo>
-                <a:close/>
-              </a:path>
-            </a:pathLst>
-          </a:custGeom>
-        </p:spPr>
-      </p:sp>
-      <p:sp>
-        <p:nvSpPr>
-          <p:cNvPr id="323" name="Google Shape;323;g400fb8875d_0_185:notes"/>
-          <p:cNvSpPr txBox="1">
-            <a:spLocks noGrp="1"/>
-          </p:cNvSpPr>
-          <p:nvPr>
-            <p:ph type="body" idx="1"/>
-          </p:nvPr>
-        </p:nvSpPr>
-        <p:spPr>
-          <a:xfrm>
-            <a:off x="685800" y="4343400"/>
-            <a:ext cx="5486400" cy="4114800"/>
-          </a:xfrm>
-          <a:prstGeom prst="rect">
-            <a:avLst/>
-          </a:prstGeom>
-        </p:spPr>
-        <p:txBody>
-          <a:bodyPr spcFirstLastPara="1" wrap="square" lIns="91425" tIns="91425" rIns="91425" bIns="91425" anchor="t" anchorCtr="0">
-            <a:noAutofit/>
-          </a:bodyPr>
-          <a:lstStyle/>
-          <a:p>
-            <a:pPr marL="0" lvl="0" indent="0" algn="l" rtl="0">
-              <a:spcBef>
-                <a:spcPts val="0"/>
-              </a:spcBef>
-              <a:spcAft>
-                <a:spcPts val="0"/>
-              </a:spcAft>
-              <a:buNone/>
-            </a:pPr>
-            <a:endParaRPr/>
-          </a:p>
-        </p:txBody>
-      </p:sp>
-    </p:spTree>
-  </p:cSld>
-  <p:clrMapOvr>
-    <a:masterClrMapping/>
-  </p:clrMapOvr>
-</p:notes>
-</file>
-
-<file path=ppt/notesSlides/notesSlide21.xml><?xml version="1.0" encoding="utf-8"?>
-<p:notes xmlns:a="http://schemas.openxmlformats.org/drawingml/2006/main" xmlns:r="http://schemas.openxmlformats.org/officeDocument/2006/relationships" xmlns:p="http://schemas.openxmlformats.org/presentationml/2006/main" showMasterSp="0" showMasterPhAnim="0">
-  <p:cSld>
-    <p:spTree>
-      <p:nvGrpSpPr>
-        <p:cNvPr id="1" name="Shape 328"/>
-        <p:cNvGrpSpPr/>
-        <p:nvPr/>
-      </p:nvGrpSpPr>
-      <p:grpSpPr>
-        <a:xfrm>
-          <a:off x="0" y="0"/>
-          <a:ext cx="0" cy="0"/>
-          <a:chOff x="0" y="0"/>
-          <a:chExt cx="0" cy="0"/>
-        </a:xfrm>
-      </p:grpSpPr>
-      <p:sp>
-        <p:nvSpPr>
-          <p:cNvPr id="329" name="Google Shape;329;g400fb8875d_0_180:notes"/>
-          <p:cNvSpPr>
-            <a:spLocks noGrp="1" noRot="1" noChangeAspect="1"/>
-          </p:cNvSpPr>
-          <p:nvPr>
-            <p:ph type="sldImg" idx="2"/>
-          </p:nvPr>
-        </p:nvSpPr>
-        <p:spPr>
-          <a:xfrm>
-            <a:off x="381300" y="685800"/>
-            <a:ext cx="6096000" cy="3429000"/>
-          </a:xfrm>
-          <a:custGeom>
-            <a:avLst/>
-            <a:gdLst/>
-            <a:ahLst/>
-            <a:cxnLst/>
-            <a:rect l="l" t="t" r="r" b="b"/>
-            <a:pathLst>
-              <a:path w="120000" h="120000" extrusionOk="0">
-                <a:moveTo>
-                  <a:pt x="0" y="0"/>
-                </a:moveTo>
-                <a:lnTo>
-                  <a:pt x="120000" y="0"/>
-                </a:lnTo>
-                <a:lnTo>
-                  <a:pt x="120000" y="120000"/>
-                </a:lnTo>
-                <a:lnTo>
-                  <a:pt x="0" y="120000"/>
-                </a:lnTo>
-                <a:close/>
-              </a:path>
-            </a:pathLst>
-          </a:custGeom>
-        </p:spPr>
-      </p:sp>
-      <p:sp>
-        <p:nvSpPr>
-          <p:cNvPr id="330" name="Google Shape;330;g400fb8875d_0_180:notes"/>
-          <p:cNvSpPr txBox="1">
-            <a:spLocks noGrp="1"/>
-          </p:cNvSpPr>
-          <p:nvPr>
-            <p:ph type="body" idx="1"/>
-          </p:nvPr>
-        </p:nvSpPr>
-        <p:spPr>
-          <a:xfrm>
-            <a:off x="685800" y="4343400"/>
-            <a:ext cx="5486400" cy="4114800"/>
-          </a:xfrm>
-          <a:prstGeom prst="rect">
-            <a:avLst/>
-          </a:prstGeom>
-        </p:spPr>
-        <p:txBody>
-          <a:bodyPr spcFirstLastPara="1" wrap="square" lIns="91425" tIns="91425" rIns="91425" bIns="91425" anchor="t" anchorCtr="0">
-            <a:noAutofit/>
-          </a:bodyPr>
-          <a:lstStyle/>
-          <a:p>
-            <a:pPr marL="0" lvl="0" indent="0" algn="l" rtl="0">
-              <a:spcBef>
-                <a:spcPts val="0"/>
-              </a:spcBef>
-              <a:spcAft>
-                <a:spcPts val="0"/>
-              </a:spcAft>
-              <a:buNone/>
-            </a:pPr>
-            <a:endParaRPr/>
-          </a:p>
-        </p:txBody>
-      </p:sp>
-    </p:spTree>
-  </p:cSld>
-  <p:clrMapOvr>
-    <a:masterClrMapping/>
-  </p:clrMapOvr>
-</p:notes>
-</file>
-
-<file path=ppt/notesSlides/notesSlide3.xml><?xml version="1.0" encoding="utf-8"?>
 <p:notes xmlns:a="http://schemas.openxmlformats.org/drawingml/2006/main" xmlns:r="http://schemas.openxmlformats.org/officeDocument/2006/relationships" xmlns:p="http://schemas.openxmlformats.org/presentationml/2006/main" showMasterSp="0" showMasterPhAnim="0">
   <p:cSld>
     <p:spTree>
@@ -2318,7 +1689,7 @@
 </p:notes>
 </file>
 
-<file path=ppt/notesSlides/notesSlide4.xml><?xml version="1.0" encoding="utf-8"?>
+<file path=ppt/notesSlides/notesSlide3.xml><?xml version="1.0" encoding="utf-8"?>
 <p:notes xmlns:a="http://schemas.openxmlformats.org/drawingml/2006/main" xmlns:r="http://schemas.openxmlformats.org/officeDocument/2006/relationships" xmlns:p="http://schemas.openxmlformats.org/presentationml/2006/main" showMasterSp="0" showMasterPhAnim="0">
   <p:cSld>
     <p:spTree>
@@ -2422,7 +1793,7 @@
 </p:notes>
 </file>
 
-<file path=ppt/notesSlides/notesSlide5.xml><?xml version="1.0" encoding="utf-8"?>
+<file path=ppt/notesSlides/notesSlide4.xml><?xml version="1.0" encoding="utf-8"?>
 <p:notes xmlns:a="http://schemas.openxmlformats.org/drawingml/2006/main" xmlns:r="http://schemas.openxmlformats.org/officeDocument/2006/relationships" xmlns:p="http://schemas.openxmlformats.org/presentationml/2006/main" showMasterSp="0" showMasterPhAnim="0">
   <p:cSld>
     <p:spTree>
@@ -2530,7 +1901,7 @@
 </p:notes>
 </file>
 
-<file path=ppt/notesSlides/notesSlide6.xml><?xml version="1.0" encoding="utf-8"?>
+<file path=ppt/notesSlides/notesSlide5.xml><?xml version="1.0" encoding="utf-8"?>
 <p:notes xmlns:a="http://schemas.openxmlformats.org/drawingml/2006/main" xmlns:r="http://schemas.openxmlformats.org/officeDocument/2006/relationships" xmlns:p="http://schemas.openxmlformats.org/presentationml/2006/main" showMasterSp="0" showMasterPhAnim="0">
   <p:cSld>
     <p:spTree>
@@ -2661,7 +2032,7 @@
 </p:notes>
 </file>
 
-<file path=ppt/notesSlides/notesSlide7.xml><?xml version="1.0" encoding="utf-8"?>
+<file path=ppt/notesSlides/notesSlide6.xml><?xml version="1.0" encoding="utf-8"?>
 <p:notes xmlns:a="http://schemas.openxmlformats.org/drawingml/2006/main" xmlns:r="http://schemas.openxmlformats.org/officeDocument/2006/relationships" xmlns:p="http://schemas.openxmlformats.org/presentationml/2006/main" showMasterSp="0" showMasterPhAnim="0">
   <p:cSld>
     <p:spTree>
@@ -2811,7 +2182,7 @@
 </p:notes>
 </file>
 
-<file path=ppt/notesSlides/notesSlide8.xml><?xml version="1.0" encoding="utf-8"?>
+<file path=ppt/notesSlides/notesSlide7.xml><?xml version="1.0" encoding="utf-8"?>
 <p:notes xmlns:a="http://schemas.openxmlformats.org/drawingml/2006/main" xmlns:r="http://schemas.openxmlformats.org/officeDocument/2006/relationships" xmlns:p="http://schemas.openxmlformats.org/presentationml/2006/main" showMasterSp="0" showMasterPhAnim="0">
   <p:cSld>
     <p:spTree>
@@ -2916,7 +2287,7 @@
 </p:notes>
 </file>
 
-<file path=ppt/notesSlides/notesSlide9.xml><?xml version="1.0" encoding="utf-8"?>
+<file path=ppt/notesSlides/notesSlide8.xml><?xml version="1.0" encoding="utf-8"?>
 <p:notes xmlns:a="http://schemas.openxmlformats.org/drawingml/2006/main" xmlns:r="http://schemas.openxmlformats.org/officeDocument/2006/relationships" xmlns:p="http://schemas.openxmlformats.org/presentationml/2006/main" showMasterSp="0" showMasterPhAnim="0">
   <p:cSld>
     <p:spTree>
@@ -3008,6 +2379,110 @@
               </a:spcAft>
               <a:buSzPts val="1100"/>
               <a:buChar char="●"/>
+            </a:pPr>
+            <a:endParaRPr/>
+          </a:p>
+        </p:txBody>
+      </p:sp>
+    </p:spTree>
+  </p:cSld>
+  <p:clrMapOvr>
+    <a:masterClrMapping/>
+  </p:clrMapOvr>
+</p:notes>
+</file>
+
+<file path=ppt/notesSlides/notesSlide9.xml><?xml version="1.0" encoding="utf-8"?>
+<p:notes xmlns:a="http://schemas.openxmlformats.org/drawingml/2006/main" xmlns:r="http://schemas.openxmlformats.org/officeDocument/2006/relationships" xmlns:p="http://schemas.openxmlformats.org/presentationml/2006/main" showMasterSp="0" showMasterPhAnim="0">
+  <p:cSld>
+    <p:spTree>
+      <p:nvGrpSpPr>
+        <p:cNvPr id="1" name="Shape 254"/>
+        <p:cNvGrpSpPr/>
+        <p:nvPr/>
+      </p:nvGrpSpPr>
+      <p:grpSpPr>
+        <a:xfrm>
+          <a:off x="0" y="0"/>
+          <a:ext cx="0" cy="0"/>
+          <a:chOff x="0" y="0"/>
+          <a:chExt cx="0" cy="0"/>
+        </a:xfrm>
+      </p:grpSpPr>
+      <p:sp>
+        <p:nvSpPr>
+          <p:cNvPr id="255" name="Google Shape;255;g30573a858f_0_20:notes"/>
+          <p:cNvSpPr>
+            <a:spLocks noGrp="1" noRot="1" noChangeAspect="1"/>
+          </p:cNvSpPr>
+          <p:nvPr>
+            <p:ph type="sldImg" idx="2"/>
+          </p:nvPr>
+        </p:nvSpPr>
+        <p:spPr>
+          <a:xfrm>
+            <a:off x="381000" y="685800"/>
+            <a:ext cx="6096000" cy="3429000"/>
+          </a:xfrm>
+          <a:custGeom>
+            <a:avLst/>
+            <a:gdLst/>
+            <a:ahLst/>
+            <a:cxnLst/>
+            <a:rect l="l" t="t" r="r" b="b"/>
+            <a:pathLst>
+              <a:path w="120000" h="120000" extrusionOk="0">
+                <a:moveTo>
+                  <a:pt x="0" y="0"/>
+                </a:moveTo>
+                <a:lnTo>
+                  <a:pt x="120000" y="0"/>
+                </a:lnTo>
+                <a:lnTo>
+                  <a:pt x="120000" y="120000"/>
+                </a:lnTo>
+                <a:lnTo>
+                  <a:pt x="0" y="120000"/>
+                </a:lnTo>
+                <a:close/>
+              </a:path>
+            </a:pathLst>
+          </a:custGeom>
+        </p:spPr>
+      </p:sp>
+      <p:sp>
+        <p:nvSpPr>
+          <p:cNvPr id="256" name="Google Shape;256;g30573a858f_0_20:notes"/>
+          <p:cNvSpPr txBox="1">
+            <a:spLocks noGrp="1"/>
+          </p:cNvSpPr>
+          <p:nvPr>
+            <p:ph type="body" idx="1"/>
+          </p:nvPr>
+        </p:nvSpPr>
+        <p:spPr>
+          <a:xfrm>
+            <a:off x="685800" y="4343400"/>
+            <a:ext cx="5486400" cy="4114800"/>
+          </a:xfrm>
+          <a:prstGeom prst="rect">
+            <a:avLst/>
+          </a:prstGeom>
+        </p:spPr>
+        <p:txBody>
+          <a:bodyPr spcFirstLastPara="1" wrap="square" lIns="91425" tIns="91425" rIns="91425" bIns="91425" anchor="t" anchorCtr="0">
+            <a:noAutofit/>
+          </a:bodyPr>
+          <a:lstStyle/>
+          <a:p>
+            <a:pPr marL="0" lvl="0" indent="0" algn="l" rtl="0">
+              <a:spcBef>
+                <a:spcPts val="0"/>
+              </a:spcBef>
+              <a:spcAft>
+                <a:spcPts val="0"/>
+              </a:spcAft>
+              <a:buNone/>
             </a:pPr>
             <a:endParaRPr/>
           </a:p>
@@ -9171,7 +8646,7 @@
             </a:pPr>
             <a:r>
               <a:rPr lang="en-US" dirty="0"/>
-              <a:t>4/27/2020</a:t>
+              <a:t>8/23/2021</a:t>
             </a:r>
             <a:endParaRPr dirty="0"/>
           </a:p>
@@ -9186,290 +8661,6 @@
 </file>
 
 <file path=ppt/slides/slide10.xml><?xml version="1.0" encoding="utf-8"?>
-<p:sld xmlns:a="http://schemas.openxmlformats.org/drawingml/2006/main" xmlns:r="http://schemas.openxmlformats.org/officeDocument/2006/relationships" xmlns:p="http://schemas.openxmlformats.org/presentationml/2006/main">
-  <p:cSld>
-    <p:spTree>
-      <p:nvGrpSpPr>
-        <p:cNvPr id="1" name="Shape 257"/>
-        <p:cNvGrpSpPr/>
-        <p:nvPr/>
-      </p:nvGrpSpPr>
-      <p:grpSpPr>
-        <a:xfrm>
-          <a:off x="0" y="0"/>
-          <a:ext cx="0" cy="0"/>
-          <a:chOff x="0" y="0"/>
-          <a:chExt cx="0" cy="0"/>
-        </a:xfrm>
-      </p:grpSpPr>
-      <p:sp>
-        <p:nvSpPr>
-          <p:cNvPr id="258" name="Google Shape;258;p38"/>
-          <p:cNvSpPr txBox="1">
-            <a:spLocks noGrp="1"/>
-          </p:cNvSpPr>
-          <p:nvPr>
-            <p:ph type="title"/>
-          </p:nvPr>
-        </p:nvSpPr>
-        <p:spPr>
-          <a:xfrm>
-            <a:off x="471900" y="738725"/>
-            <a:ext cx="8222100" cy="767700"/>
-          </a:xfrm>
-          <a:prstGeom prst="rect">
-            <a:avLst/>
-          </a:prstGeom>
-        </p:spPr>
-        <p:txBody>
-          <a:bodyPr spcFirstLastPara="1" wrap="square" lIns="91425" tIns="91425" rIns="91425" bIns="91425" anchor="b" anchorCtr="0">
-            <a:noAutofit/>
-          </a:bodyPr>
-          <a:lstStyle/>
-          <a:p>
-            <a:pPr marL="0" lvl="0" indent="0" algn="l" rtl="0">
-              <a:spcBef>
-                <a:spcPts val="0"/>
-              </a:spcBef>
-              <a:spcAft>
-                <a:spcPts val="0"/>
-              </a:spcAft>
-              <a:buNone/>
-            </a:pPr>
-            <a:r>
-              <a:rPr lang="en"/>
-              <a:t>GitHub Projects</a:t>
-            </a:r>
-            <a:endParaRPr/>
-          </a:p>
-        </p:txBody>
-      </p:sp>
-      <p:sp>
-        <p:nvSpPr>
-          <p:cNvPr id="259" name="Google Shape;259;p38"/>
-          <p:cNvSpPr txBox="1">
-            <a:spLocks noGrp="1"/>
-          </p:cNvSpPr>
-          <p:nvPr>
-            <p:ph type="body" idx="1"/>
-          </p:nvPr>
-        </p:nvSpPr>
-        <p:spPr>
-          <a:xfrm>
-            <a:off x="471900" y="1919075"/>
-            <a:ext cx="8222100" cy="2710200"/>
-          </a:xfrm>
-          <a:prstGeom prst="rect">
-            <a:avLst/>
-          </a:prstGeom>
-        </p:spPr>
-        <p:txBody>
-          <a:bodyPr spcFirstLastPara="1" wrap="square" lIns="91425" tIns="91425" rIns="91425" bIns="91425" anchor="t" anchorCtr="0">
-            <a:noAutofit/>
-          </a:bodyPr>
-          <a:lstStyle/>
-          <a:p>
-            <a:pPr marL="457200" lvl="0" indent="-342900" algn="l" rtl="0">
-              <a:spcBef>
-                <a:spcPts val="0"/>
-              </a:spcBef>
-              <a:spcAft>
-                <a:spcPts val="0"/>
-              </a:spcAft>
-              <a:buSzPts val="1800"/>
-              <a:buChar char="●"/>
-            </a:pPr>
-            <a:r>
-              <a:rPr lang="en"/>
-              <a:t>Clear Names</a:t>
-            </a:r>
-            <a:endParaRPr/>
-          </a:p>
-          <a:p>
-            <a:pPr marL="457200" lvl="0" indent="-342900" algn="l" rtl="0">
-              <a:spcBef>
-                <a:spcPts val="0"/>
-              </a:spcBef>
-              <a:spcAft>
-                <a:spcPts val="0"/>
-              </a:spcAft>
-              <a:buSzPts val="1800"/>
-              <a:buChar char="●"/>
-            </a:pPr>
-            <a:r>
-              <a:rPr lang="en"/>
-              <a:t>Self-Contained</a:t>
-            </a:r>
-            <a:endParaRPr/>
-          </a:p>
-          <a:p>
-            <a:pPr marL="457200" lvl="0" indent="-342900" algn="l" rtl="0">
-              <a:spcBef>
-                <a:spcPts val="0"/>
-              </a:spcBef>
-              <a:spcAft>
-                <a:spcPts val="0"/>
-              </a:spcAft>
-              <a:buSzPts val="1800"/>
-              <a:buChar char="●"/>
-            </a:pPr>
-            <a:r>
-              <a:rPr lang="en"/>
-              <a:t>Clean Up Cruft</a:t>
-            </a:r>
-            <a:endParaRPr/>
-          </a:p>
-          <a:p>
-            <a:pPr marL="457200" lvl="0" indent="-342900" algn="l" rtl="0">
-              <a:spcBef>
-                <a:spcPts val="0"/>
-              </a:spcBef>
-              <a:spcAft>
-                <a:spcPts val="0"/>
-              </a:spcAft>
-              <a:buSzPts val="1800"/>
-              <a:buChar char="●"/>
-            </a:pPr>
-            <a:r>
-              <a:rPr lang="en"/>
-              <a:t>Common Files to Include:</a:t>
-            </a:r>
-            <a:endParaRPr/>
-          </a:p>
-          <a:p>
-            <a:pPr marL="914400" lvl="1" indent="-317500" algn="l" rtl="0">
-              <a:spcBef>
-                <a:spcPts val="0"/>
-              </a:spcBef>
-              <a:spcAft>
-                <a:spcPts val="0"/>
-              </a:spcAft>
-              <a:buSzPts val="1400"/>
-              <a:buChar char="○"/>
-            </a:pPr>
-            <a:r>
-              <a:rPr lang="en"/>
-              <a:t>README.md</a:t>
-            </a:r>
-            <a:endParaRPr/>
-          </a:p>
-          <a:p>
-            <a:pPr marL="1371600" lvl="2" indent="-317500" algn="l" rtl="0">
-              <a:spcBef>
-                <a:spcPts val="0"/>
-              </a:spcBef>
-              <a:spcAft>
-                <a:spcPts val="0"/>
-              </a:spcAft>
-              <a:buSzPts val="1400"/>
-              <a:buChar char="■"/>
-            </a:pPr>
-            <a:r>
-              <a:rPr lang="en" u="sng">
-                <a:solidFill>
-                  <a:schemeClr val="hlink"/>
-                </a:solidFill>
-                <a:hlinkClick r:id="rId3"/>
-              </a:rPr>
-              <a:t>Create a README</a:t>
-            </a:r>
-            <a:endParaRPr/>
-          </a:p>
-          <a:p>
-            <a:pPr marL="1371600" lvl="2" indent="-317500" algn="l" rtl="0">
-              <a:spcBef>
-                <a:spcPts val="0"/>
-              </a:spcBef>
-              <a:spcAft>
-                <a:spcPts val="0"/>
-              </a:spcAft>
-              <a:buSzPts val="1400"/>
-              <a:buChar char="■"/>
-            </a:pPr>
-            <a:r>
-              <a:rPr lang="en" u="sng">
-                <a:solidFill>
-                  <a:schemeClr val="hlink"/>
-                </a:solidFill>
-                <a:hlinkClick r:id="rId4"/>
-              </a:rPr>
-              <a:t>Mastering GitHub Markdown</a:t>
-            </a:r>
-            <a:endParaRPr/>
-          </a:p>
-          <a:p>
-            <a:pPr marL="914400" lvl="1" indent="-317500" algn="l" rtl="0">
-              <a:spcBef>
-                <a:spcPts val="0"/>
-              </a:spcBef>
-              <a:spcAft>
-                <a:spcPts val="0"/>
-              </a:spcAft>
-              <a:buSzPts val="1400"/>
-              <a:buChar char="○"/>
-            </a:pPr>
-            <a:r>
-              <a:rPr lang="en"/>
-              <a:t>License.txt</a:t>
-            </a:r>
-            <a:endParaRPr/>
-          </a:p>
-          <a:p>
-            <a:pPr marL="914400" lvl="1" indent="-317500" algn="l" rtl="0">
-              <a:spcBef>
-                <a:spcPts val="0"/>
-              </a:spcBef>
-              <a:spcAft>
-                <a:spcPts val="0"/>
-              </a:spcAft>
-              <a:buSzPts val="1400"/>
-              <a:buChar char="○"/>
-            </a:pPr>
-            <a:r>
-              <a:rPr lang="en"/>
-              <a:t>.gitignore</a:t>
-            </a:r>
-            <a:endParaRPr/>
-          </a:p>
-        </p:txBody>
-      </p:sp>
-      <p:pic>
-        <p:nvPicPr>
-          <p:cNvPr id="260" name="Google Shape;260;p38"/>
-          <p:cNvPicPr preferRelativeResize="0"/>
-          <p:nvPr/>
-        </p:nvPicPr>
-        <p:blipFill>
-          <a:blip r:embed="rId5">
-            <a:alphaModFix/>
-          </a:blip>
-          <a:stretch>
-            <a:fillRect/>
-          </a:stretch>
-        </p:blipFill>
-        <p:spPr>
-          <a:xfrm>
-            <a:off x="5211725" y="1919075"/>
-            <a:ext cx="3137751" cy="3012951"/>
-          </a:xfrm>
-          <a:prstGeom prst="rect">
-            <a:avLst/>
-          </a:prstGeom>
-          <a:noFill/>
-          <a:ln>
-            <a:noFill/>
-          </a:ln>
-        </p:spPr>
-      </p:pic>
-    </p:spTree>
-  </p:cSld>
-  <p:clrMapOvr>
-    <a:masterClrMapping/>
-  </p:clrMapOvr>
-</p:sld>
-</file>
-
-<file path=ppt/slides/slide11.xml><?xml version="1.0" encoding="utf-8"?>
 <p:sld xmlns:a="http://schemas.openxmlformats.org/drawingml/2006/main" xmlns:r="http://schemas.openxmlformats.org/officeDocument/2006/relationships" xmlns:p="http://schemas.openxmlformats.org/presentationml/2006/main">
   <p:cSld>
     <p:spTree>
@@ -9763,7 +8954,7 @@
 </p:sld>
 </file>
 
-<file path=ppt/slides/slide12.xml><?xml version="1.0" encoding="utf-8"?>
+<file path=ppt/slides/slide11.xml><?xml version="1.0" encoding="utf-8"?>
 <p:sld xmlns:a="http://schemas.openxmlformats.org/drawingml/2006/main" xmlns:r="http://schemas.openxmlformats.org/officeDocument/2006/relationships" xmlns:p="http://schemas.openxmlformats.org/presentationml/2006/main">
   <p:cSld>
     <p:spTree>
@@ -9830,7 +9021,7 @@
 </p:sld>
 </file>
 
-<file path=ppt/slides/slide13.xml><?xml version="1.0" encoding="utf-8"?>
+<file path=ppt/slides/slide12.xml><?xml version="1.0" encoding="utf-8"?>
 <p:sld xmlns:a="http://schemas.openxmlformats.org/drawingml/2006/main" xmlns:r="http://schemas.openxmlformats.org/officeDocument/2006/relationships" xmlns:p="http://schemas.openxmlformats.org/presentationml/2006/main">
   <p:cSld>
     <p:spTree>
@@ -10078,7 +9269,7 @@
 </p:sld>
 </file>
 
-<file path=ppt/slides/slide14.xml><?xml version="1.0" encoding="utf-8"?>
+<file path=ppt/slides/slide13.xml><?xml version="1.0" encoding="utf-8"?>
 <p:sld xmlns:a="http://schemas.openxmlformats.org/drawingml/2006/main" xmlns:r="http://schemas.openxmlformats.org/officeDocument/2006/relationships" xmlns:p="http://schemas.openxmlformats.org/presentationml/2006/main">
   <p:cSld>
     <p:spTree>
@@ -10173,7 +9364,7 @@
 </p:sld>
 </file>
 
-<file path=ppt/slides/slide15.xml><?xml version="1.0" encoding="utf-8"?>
+<file path=ppt/slides/slide14.xml><?xml version="1.0" encoding="utf-8"?>
 <p:sld xmlns:a="http://schemas.openxmlformats.org/drawingml/2006/main" xmlns:r="http://schemas.openxmlformats.org/officeDocument/2006/relationships" xmlns:p="http://schemas.openxmlformats.org/presentationml/2006/main">
   <p:cSld>
     <p:spTree>
@@ -10404,7 +9595,7 @@
 </p:sld>
 </file>
 
-<file path=ppt/slides/slide16.xml><?xml version="1.0" encoding="utf-8"?>
+<file path=ppt/slides/slide15.xml><?xml version="1.0" encoding="utf-8"?>
 <p:sld xmlns:a="http://schemas.openxmlformats.org/drawingml/2006/main" xmlns:r="http://schemas.openxmlformats.org/officeDocument/2006/relationships" xmlns:p="http://schemas.openxmlformats.org/presentationml/2006/main">
   <p:cSld>
     <p:spTree>
@@ -10573,7 +9764,7 @@
 </p:sld>
 </file>
 
-<file path=ppt/slides/slide17.xml><?xml version="1.0" encoding="utf-8"?>
+<file path=ppt/slides/slide16.xml><?xml version="1.0" encoding="utf-8"?>
 <p:sld xmlns:a="http://schemas.openxmlformats.org/drawingml/2006/main" xmlns:r="http://schemas.openxmlformats.org/officeDocument/2006/relationships" xmlns:p="http://schemas.openxmlformats.org/presentationml/2006/main">
   <p:cSld>
     <p:spTree>
@@ -10750,836 +9941,7 @@
 </p:sld>
 </file>
 
-<file path=ppt/slides/slide18.xml><?xml version="1.0" encoding="utf-8"?>
-<p:sld xmlns:a="http://schemas.openxmlformats.org/drawingml/2006/main" xmlns:r="http://schemas.openxmlformats.org/officeDocument/2006/relationships" xmlns:p="http://schemas.openxmlformats.org/presentationml/2006/main">
-  <p:cSld>
-    <p:spTree>
-      <p:nvGrpSpPr>
-        <p:cNvPr id="1" name="Shape 313"/>
-        <p:cNvGrpSpPr/>
-        <p:nvPr/>
-      </p:nvGrpSpPr>
-      <p:grpSpPr>
-        <a:xfrm>
-          <a:off x="0" y="0"/>
-          <a:ext cx="0" cy="0"/>
-          <a:chOff x="0" y="0"/>
-          <a:chExt cx="0" cy="0"/>
-        </a:xfrm>
-      </p:grpSpPr>
-      <p:sp>
-        <p:nvSpPr>
-          <p:cNvPr id="314" name="Google Shape;314;p43"/>
-          <p:cNvSpPr txBox="1">
-            <a:spLocks noGrp="1"/>
-          </p:cNvSpPr>
-          <p:nvPr>
-            <p:ph type="title"/>
-          </p:nvPr>
-        </p:nvSpPr>
-        <p:spPr>
-          <a:xfrm>
-            <a:off x="460950" y="2065350"/>
-            <a:ext cx="8222100" cy="1012800"/>
-          </a:xfrm>
-          <a:prstGeom prst="rect">
-            <a:avLst/>
-          </a:prstGeom>
-        </p:spPr>
-        <p:txBody>
-          <a:bodyPr spcFirstLastPara="1" wrap="square" lIns="91425" tIns="91425" rIns="91425" bIns="91425" anchor="ctr" anchorCtr="0">
-            <a:noAutofit/>
-          </a:bodyPr>
-          <a:lstStyle/>
-          <a:p>
-            <a:pPr marL="0" lvl="0" indent="0" algn="l" rtl="0">
-              <a:spcBef>
-                <a:spcPts val="0"/>
-              </a:spcBef>
-              <a:spcAft>
-                <a:spcPts val="0"/>
-              </a:spcAft>
-              <a:buNone/>
-            </a:pPr>
-            <a:r>
-              <a:rPr lang="en"/>
-              <a:t>Assignments</a:t>
-            </a:r>
-            <a:endParaRPr/>
-          </a:p>
-        </p:txBody>
-      </p:sp>
-    </p:spTree>
-  </p:cSld>
-  <p:clrMapOvr>
-    <a:masterClrMapping/>
-  </p:clrMapOvr>
-</p:sld>
-</file>
-
-<file path=ppt/slides/slide19.xml><?xml version="1.0" encoding="utf-8"?>
-<p:sld xmlns:a="http://schemas.openxmlformats.org/drawingml/2006/main" xmlns:r="http://schemas.openxmlformats.org/officeDocument/2006/relationships" xmlns:p="http://schemas.openxmlformats.org/presentationml/2006/main">
-  <p:cSld>
-    <p:spTree>
-      <p:nvGrpSpPr>
-        <p:cNvPr id="1" name="Shape 318"/>
-        <p:cNvGrpSpPr/>
-        <p:nvPr/>
-      </p:nvGrpSpPr>
-      <p:grpSpPr>
-        <a:xfrm>
-          <a:off x="0" y="0"/>
-          <a:ext cx="0" cy="0"/>
-          <a:chOff x="0" y="0"/>
-          <a:chExt cx="0" cy="0"/>
-        </a:xfrm>
-      </p:grpSpPr>
-      <p:sp>
-        <p:nvSpPr>
-          <p:cNvPr id="319" name="Google Shape;319;p44"/>
-          <p:cNvSpPr txBox="1">
-            <a:spLocks noGrp="1"/>
-          </p:cNvSpPr>
-          <p:nvPr>
-            <p:ph type="title"/>
-          </p:nvPr>
-        </p:nvSpPr>
-        <p:spPr>
-          <a:xfrm>
-            <a:off x="471900" y="738725"/>
-            <a:ext cx="8222100" cy="767700"/>
-          </a:xfrm>
-          <a:prstGeom prst="rect">
-            <a:avLst/>
-          </a:prstGeom>
-        </p:spPr>
-        <p:txBody>
-          <a:bodyPr spcFirstLastPara="1" wrap="square" lIns="91425" tIns="91425" rIns="91425" bIns="91425" anchor="b" anchorCtr="0">
-            <a:noAutofit/>
-          </a:bodyPr>
-          <a:lstStyle/>
-          <a:p>
-            <a:pPr marL="0" lvl="0" indent="0" algn="l" rtl="0">
-              <a:spcBef>
-                <a:spcPts val="0"/>
-              </a:spcBef>
-              <a:spcAft>
-                <a:spcPts val="0"/>
-              </a:spcAft>
-              <a:buNone/>
-            </a:pPr>
-            <a:r>
-              <a:rPr lang="en"/>
-              <a:t>Activity - Huddle (15 mins)</a:t>
-            </a:r>
-            <a:endParaRPr/>
-          </a:p>
-        </p:txBody>
-      </p:sp>
-      <p:sp>
-        <p:nvSpPr>
-          <p:cNvPr id="320" name="Google Shape;320;p44"/>
-          <p:cNvSpPr txBox="1">
-            <a:spLocks noGrp="1"/>
-          </p:cNvSpPr>
-          <p:nvPr>
-            <p:ph type="body" idx="1"/>
-          </p:nvPr>
-        </p:nvSpPr>
-        <p:spPr>
-          <a:xfrm>
-            <a:off x="471900" y="1919075"/>
-            <a:ext cx="4124700" cy="2710200"/>
-          </a:xfrm>
-          <a:prstGeom prst="rect">
-            <a:avLst/>
-          </a:prstGeom>
-        </p:spPr>
-        <p:txBody>
-          <a:bodyPr spcFirstLastPara="1" wrap="square" lIns="91425" tIns="91425" rIns="91425" bIns="91425" anchor="t" anchorCtr="0">
-            <a:noAutofit/>
-          </a:bodyPr>
-          <a:lstStyle/>
-          <a:p>
-            <a:pPr marL="457200" lvl="0" indent="-342900" algn="l" rtl="0">
-              <a:spcBef>
-                <a:spcPts val="0"/>
-              </a:spcBef>
-              <a:spcAft>
-                <a:spcPts val="0"/>
-              </a:spcAft>
-              <a:buSzPts val="1800"/>
-              <a:buChar char="●"/>
-            </a:pPr>
-            <a:r>
-              <a:rPr lang="en"/>
-              <a:t>1 Minute Per Person</a:t>
-            </a:r>
-            <a:endParaRPr/>
-          </a:p>
-          <a:p>
-            <a:pPr marL="457200" lvl="0" indent="-342900" algn="l" rtl="0">
-              <a:spcBef>
-                <a:spcPts val="0"/>
-              </a:spcBef>
-              <a:spcAft>
-                <a:spcPts val="0"/>
-              </a:spcAft>
-              <a:buSzPts val="1800"/>
-              <a:buChar char="●"/>
-            </a:pPr>
-            <a:r>
-              <a:rPr lang="en"/>
-              <a:t>What You Did</a:t>
-            </a:r>
-            <a:endParaRPr/>
-          </a:p>
-          <a:p>
-            <a:pPr marL="457200" lvl="0" indent="-342900" algn="l" rtl="0">
-              <a:spcBef>
-                <a:spcPts val="0"/>
-              </a:spcBef>
-              <a:spcAft>
-                <a:spcPts val="0"/>
-              </a:spcAft>
-              <a:buSzPts val="1800"/>
-              <a:buChar char="●"/>
-            </a:pPr>
-            <a:r>
-              <a:rPr lang="en"/>
-              <a:t>What You’re Working On Next</a:t>
-            </a:r>
-            <a:endParaRPr/>
-          </a:p>
-          <a:p>
-            <a:pPr marL="457200" lvl="0" indent="-342900" algn="l" rtl="0">
-              <a:spcBef>
-                <a:spcPts val="0"/>
-              </a:spcBef>
-              <a:spcAft>
-                <a:spcPts val="0"/>
-              </a:spcAft>
-              <a:buSzPts val="1800"/>
-              <a:buChar char="●"/>
-            </a:pPr>
-            <a:r>
-              <a:rPr lang="en"/>
-              <a:t>Any Blockers</a:t>
-            </a:r>
-            <a:endParaRPr/>
-          </a:p>
-        </p:txBody>
-      </p:sp>
-    </p:spTree>
-  </p:cSld>
-  <p:clrMapOvr>
-    <a:masterClrMapping/>
-  </p:clrMapOvr>
-</p:sld>
-</file>
-
 <file path=ppt/slides/slide2.xml><?xml version="1.0" encoding="utf-8"?>
-<p:sld xmlns:a="http://schemas.openxmlformats.org/drawingml/2006/main" xmlns:r="http://schemas.openxmlformats.org/officeDocument/2006/relationships" xmlns:p="http://schemas.openxmlformats.org/presentationml/2006/main">
-  <p:cSld>
-    <p:spTree>
-      <p:nvGrpSpPr>
-        <p:cNvPr id="1" name="Shape 89"/>
-        <p:cNvGrpSpPr/>
-        <p:nvPr/>
-      </p:nvGrpSpPr>
-      <p:grpSpPr>
-        <a:xfrm>
-          <a:off x="0" y="0"/>
-          <a:ext cx="0" cy="0"/>
-          <a:chOff x="0" y="0"/>
-          <a:chExt cx="0" cy="0"/>
-        </a:xfrm>
-      </p:grpSpPr>
-      <p:sp>
-        <p:nvSpPr>
-          <p:cNvPr id="90" name="Google Shape;90;p16"/>
-          <p:cNvSpPr txBox="1">
-            <a:spLocks noGrp="1"/>
-          </p:cNvSpPr>
-          <p:nvPr>
-            <p:ph type="title"/>
-          </p:nvPr>
-        </p:nvSpPr>
-        <p:spPr>
-          <a:xfrm>
-            <a:off x="471900" y="738725"/>
-            <a:ext cx="8222100" cy="767700"/>
-          </a:xfrm>
-          <a:prstGeom prst="rect">
-            <a:avLst/>
-          </a:prstGeom>
-        </p:spPr>
-        <p:txBody>
-          <a:bodyPr spcFirstLastPara="1" wrap="square" lIns="91425" tIns="91425" rIns="91425" bIns="91425" anchor="b" anchorCtr="0">
-            <a:noAutofit/>
-          </a:bodyPr>
-          <a:lstStyle/>
-          <a:p>
-            <a:pPr marL="0" lvl="0" indent="0" algn="l" rtl="0">
-              <a:spcBef>
-                <a:spcPts val="0"/>
-              </a:spcBef>
-              <a:spcAft>
-                <a:spcPts val="0"/>
-              </a:spcAft>
-              <a:buNone/>
-            </a:pPr>
-            <a:r>
-              <a:rPr lang="en"/>
-              <a:t>Agenda</a:t>
-            </a:r>
-            <a:endParaRPr/>
-          </a:p>
-        </p:txBody>
-      </p:sp>
-      <p:sp>
-        <p:nvSpPr>
-          <p:cNvPr id="91" name="Google Shape;91;p16"/>
-          <p:cNvSpPr txBox="1">
-            <a:spLocks noGrp="1"/>
-          </p:cNvSpPr>
-          <p:nvPr>
-            <p:ph type="body" idx="1"/>
-          </p:nvPr>
-        </p:nvSpPr>
-        <p:spPr>
-          <a:xfrm>
-            <a:off x="471900" y="1919075"/>
-            <a:ext cx="4112400" cy="2710200"/>
-          </a:xfrm>
-          <a:prstGeom prst="rect">
-            <a:avLst/>
-          </a:prstGeom>
-        </p:spPr>
-        <p:txBody>
-          <a:bodyPr spcFirstLastPara="1" wrap="square" lIns="91425" tIns="91425" rIns="91425" bIns="91425" anchor="t" anchorCtr="0">
-            <a:noAutofit/>
-          </a:bodyPr>
-          <a:lstStyle/>
-          <a:p>
-            <a:pPr marL="457200" lvl="0" indent="-304800" algn="l" rtl="0">
-              <a:spcBef>
-                <a:spcPts val="0"/>
-              </a:spcBef>
-              <a:spcAft>
-                <a:spcPts val="0"/>
-              </a:spcAft>
-              <a:buSzPts val="1200"/>
-              <a:buChar char="●"/>
-            </a:pPr>
-            <a:r>
-              <a:rPr lang="en" sz="1200"/>
-              <a:t>Objectives and Timeline</a:t>
-            </a:r>
-            <a:endParaRPr sz="1200"/>
-          </a:p>
-          <a:p>
-            <a:pPr marL="457200" lvl="0" indent="-304800" algn="l" rtl="0">
-              <a:spcBef>
-                <a:spcPts val="0"/>
-              </a:spcBef>
-              <a:spcAft>
-                <a:spcPts val="0"/>
-              </a:spcAft>
-              <a:buSzPts val="1200"/>
-              <a:buChar char="●"/>
-            </a:pPr>
-            <a:r>
-              <a:rPr lang="en" sz="1200"/>
-              <a:t>Lecture</a:t>
-            </a:r>
-            <a:endParaRPr sz="1200"/>
-          </a:p>
-          <a:p>
-            <a:pPr marL="914400" lvl="1" indent="-304800" algn="l" rtl="0">
-              <a:spcBef>
-                <a:spcPts val="0"/>
-              </a:spcBef>
-              <a:spcAft>
-                <a:spcPts val="0"/>
-              </a:spcAft>
-              <a:buSzPts val="1200"/>
-              <a:buChar char="○"/>
-            </a:pPr>
-            <a:r>
-              <a:rPr lang="en" sz="1200"/>
-              <a:t>Live Coding</a:t>
-            </a:r>
-            <a:endParaRPr sz="1200"/>
-          </a:p>
-          <a:p>
-            <a:pPr marL="914400" lvl="1" indent="-304800" algn="l" rtl="0">
-              <a:spcBef>
-                <a:spcPts val="0"/>
-              </a:spcBef>
-              <a:spcAft>
-                <a:spcPts val="0"/>
-              </a:spcAft>
-              <a:buSzPts val="1200"/>
-              <a:buChar char="○"/>
-            </a:pPr>
-            <a:r>
-              <a:rPr lang="en" sz="1200"/>
-              <a:t>Code Review</a:t>
-            </a:r>
-            <a:endParaRPr sz="1200"/>
-          </a:p>
-          <a:p>
-            <a:pPr marL="457200" marR="0" lvl="0" indent="-304800" algn="l" rtl="0">
-              <a:lnSpc>
-                <a:spcPct val="115000"/>
-              </a:lnSpc>
-              <a:spcBef>
-                <a:spcPts val="0"/>
-              </a:spcBef>
-              <a:spcAft>
-                <a:spcPts val="0"/>
-              </a:spcAft>
-              <a:buClr>
-                <a:schemeClr val="lt2"/>
-              </a:buClr>
-              <a:buSzPts val="1200"/>
-              <a:buFont typeface="Roboto"/>
-              <a:buChar char="●"/>
-            </a:pPr>
-            <a:r>
-              <a:rPr lang="en" sz="1200"/>
-              <a:t>Assignment: Project Review</a:t>
-            </a:r>
-            <a:endParaRPr sz="1200"/>
-          </a:p>
-          <a:p>
-            <a:pPr marL="457200" lvl="0" indent="-304800" algn="l" rtl="0">
-              <a:spcBef>
-                <a:spcPts val="0"/>
-              </a:spcBef>
-              <a:spcAft>
-                <a:spcPts val="0"/>
-              </a:spcAft>
-              <a:buSzPts val="1200"/>
-              <a:buChar char="●"/>
-            </a:pPr>
-            <a:r>
-              <a:rPr lang="en" sz="1200"/>
-              <a:t>Review Objectives and Q&amp;A</a:t>
-            </a:r>
-            <a:endParaRPr sz="1200"/>
-          </a:p>
-          <a:p>
-            <a:pPr marL="457200" lvl="0" indent="-304800" algn="l" rtl="0">
-              <a:spcBef>
-                <a:spcPts val="0"/>
-              </a:spcBef>
-              <a:spcAft>
-                <a:spcPts val="0"/>
-              </a:spcAft>
-              <a:buSzPts val="1200"/>
-              <a:buChar char="●"/>
-            </a:pPr>
-            <a:r>
-              <a:rPr lang="en" sz="1200"/>
-              <a:t>Activity</a:t>
-            </a:r>
-            <a:endParaRPr sz="1200"/>
-          </a:p>
-          <a:p>
-            <a:pPr marL="914400" lvl="1" indent="-304800" algn="l" rtl="0">
-              <a:spcBef>
-                <a:spcPts val="0"/>
-              </a:spcBef>
-              <a:spcAft>
-                <a:spcPts val="0"/>
-              </a:spcAft>
-              <a:buSzPts val="1200"/>
-              <a:buChar char="○"/>
-            </a:pPr>
-            <a:r>
-              <a:rPr lang="en" sz="1200"/>
-              <a:t>Huddle</a:t>
-            </a:r>
-            <a:endParaRPr sz="1200"/>
-          </a:p>
-          <a:p>
-            <a:pPr marL="914400" lvl="1" indent="-304800" algn="l" rtl="0">
-              <a:spcBef>
-                <a:spcPts val="0"/>
-              </a:spcBef>
-              <a:spcAft>
-                <a:spcPts val="0"/>
-              </a:spcAft>
-              <a:buSzPts val="1200"/>
-              <a:buChar char="○"/>
-            </a:pPr>
-            <a:r>
-              <a:rPr lang="en" sz="1200"/>
-              <a:t>Paired Live Coding Practice</a:t>
-            </a:r>
-            <a:endParaRPr sz="1200"/>
-          </a:p>
-          <a:p>
-            <a:pPr marL="914400" lvl="1" indent="-304800" algn="l" rtl="0">
-              <a:spcBef>
-                <a:spcPts val="0"/>
-              </a:spcBef>
-              <a:spcAft>
-                <a:spcPts val="0"/>
-              </a:spcAft>
-              <a:buSzPts val="1200"/>
-              <a:buChar char="○"/>
-            </a:pPr>
-            <a:r>
-              <a:rPr lang="en" sz="1200"/>
-              <a:t>Project Review</a:t>
-            </a:r>
-            <a:endParaRPr sz="1200"/>
-          </a:p>
-        </p:txBody>
-      </p:sp>
-      <p:pic>
-        <p:nvPicPr>
-          <p:cNvPr id="92" name="Google Shape;92;p16"/>
-          <p:cNvPicPr preferRelativeResize="0"/>
-          <p:nvPr/>
-        </p:nvPicPr>
-        <p:blipFill>
-          <a:blip r:embed="rId3">
-            <a:alphaModFix/>
-          </a:blip>
-          <a:stretch>
-            <a:fillRect/>
-          </a:stretch>
-        </p:blipFill>
-        <p:spPr>
-          <a:xfrm>
-            <a:off x="5191550" y="1919075"/>
-            <a:ext cx="3022800" cy="3022800"/>
-          </a:xfrm>
-          <a:prstGeom prst="rect">
-            <a:avLst/>
-          </a:prstGeom>
-          <a:noFill/>
-          <a:ln>
-            <a:noFill/>
-          </a:ln>
-        </p:spPr>
-      </p:pic>
-    </p:spTree>
-  </p:cSld>
-  <p:clrMapOvr>
-    <a:masterClrMapping/>
-  </p:clrMapOvr>
-</p:sld>
-</file>
-
-<file path=ppt/slides/slide20.xml><?xml version="1.0" encoding="utf-8"?>
-<p:sld xmlns:a="http://schemas.openxmlformats.org/drawingml/2006/main" xmlns:r="http://schemas.openxmlformats.org/officeDocument/2006/relationships" xmlns:p="http://schemas.openxmlformats.org/presentationml/2006/main">
-  <p:cSld>
-    <p:spTree>
-      <p:nvGrpSpPr>
-        <p:cNvPr id="1" name="Shape 324"/>
-        <p:cNvGrpSpPr/>
-        <p:nvPr/>
-      </p:nvGrpSpPr>
-      <p:grpSpPr>
-        <a:xfrm>
-          <a:off x="0" y="0"/>
-          <a:ext cx="0" cy="0"/>
-          <a:chOff x="0" y="0"/>
-          <a:chExt cx="0" cy="0"/>
-        </a:xfrm>
-      </p:grpSpPr>
-      <p:sp>
-        <p:nvSpPr>
-          <p:cNvPr id="325" name="Google Shape;325;p45"/>
-          <p:cNvSpPr txBox="1">
-            <a:spLocks noGrp="1"/>
-          </p:cNvSpPr>
-          <p:nvPr>
-            <p:ph type="title"/>
-          </p:nvPr>
-        </p:nvSpPr>
-        <p:spPr>
-          <a:xfrm>
-            <a:off x="471900" y="738725"/>
-            <a:ext cx="8222100" cy="767700"/>
-          </a:xfrm>
-          <a:prstGeom prst="rect">
-            <a:avLst/>
-          </a:prstGeom>
-        </p:spPr>
-        <p:txBody>
-          <a:bodyPr spcFirstLastPara="1" wrap="square" lIns="91425" tIns="91425" rIns="91425" bIns="91425" anchor="b" anchorCtr="0">
-            <a:noAutofit/>
-          </a:bodyPr>
-          <a:lstStyle/>
-          <a:p>
-            <a:pPr marL="0" lvl="0" indent="0" algn="l" rtl="0">
-              <a:spcBef>
-                <a:spcPts val="0"/>
-              </a:spcBef>
-              <a:spcAft>
-                <a:spcPts val="0"/>
-              </a:spcAft>
-              <a:buNone/>
-            </a:pPr>
-            <a:r>
-              <a:rPr lang="en"/>
-              <a:t>Activity - Live Coding Pair Up</a:t>
-            </a:r>
-            <a:endParaRPr/>
-          </a:p>
-        </p:txBody>
-      </p:sp>
-      <p:sp>
-        <p:nvSpPr>
-          <p:cNvPr id="326" name="Google Shape;326;p45"/>
-          <p:cNvSpPr txBox="1">
-            <a:spLocks noGrp="1"/>
-          </p:cNvSpPr>
-          <p:nvPr>
-            <p:ph type="body" idx="1"/>
-          </p:nvPr>
-        </p:nvSpPr>
-        <p:spPr>
-          <a:xfrm>
-            <a:off x="471900" y="1919075"/>
-            <a:ext cx="4124700" cy="2710200"/>
-          </a:xfrm>
-          <a:prstGeom prst="rect">
-            <a:avLst/>
-          </a:prstGeom>
-        </p:spPr>
-        <p:txBody>
-          <a:bodyPr spcFirstLastPara="1" wrap="square" lIns="91425" tIns="91425" rIns="91425" bIns="91425" anchor="t" anchorCtr="0">
-            <a:noAutofit/>
-          </a:bodyPr>
-          <a:lstStyle/>
-          <a:p>
-            <a:pPr marL="457200" lvl="0" indent="-342900" algn="l" rtl="0">
-              <a:spcBef>
-                <a:spcPts val="0"/>
-              </a:spcBef>
-              <a:spcAft>
-                <a:spcPts val="0"/>
-              </a:spcAft>
-              <a:buSzPts val="1800"/>
-              <a:buChar char="●"/>
-            </a:pPr>
-            <a:r>
-              <a:rPr lang="en" dirty="0"/>
-              <a:t>Partner Up</a:t>
-            </a:r>
-            <a:endParaRPr dirty="0"/>
-          </a:p>
-          <a:p>
-            <a:pPr marL="457200" lvl="0" indent="-342900" algn="l" rtl="0">
-              <a:spcBef>
-                <a:spcPts val="0"/>
-              </a:spcBef>
-              <a:spcAft>
-                <a:spcPts val="0"/>
-              </a:spcAft>
-              <a:buSzPts val="1800"/>
-              <a:buChar char="●"/>
-            </a:pPr>
-            <a:r>
-              <a:rPr lang="en" dirty="0"/>
-              <a:t>Take Turns Live Coding</a:t>
-            </a:r>
-            <a:endParaRPr dirty="0"/>
-          </a:p>
-          <a:p>
-            <a:pPr marL="457200" lvl="0" indent="-342900" algn="l" rtl="0">
-              <a:spcBef>
-                <a:spcPts val="0"/>
-              </a:spcBef>
-              <a:spcAft>
-                <a:spcPts val="0"/>
-              </a:spcAft>
-              <a:buSzPts val="1800"/>
-              <a:buChar char="●"/>
-            </a:pPr>
-            <a:r>
-              <a:rPr lang="en" dirty="0"/>
-              <a:t>Whiteboard or Pen &amp; Paper or </a:t>
-            </a:r>
-            <a:r>
-              <a:rPr lang="en" dirty="0" err="1"/>
-              <a:t>Zoooooom</a:t>
-            </a:r>
-            <a:endParaRPr dirty="0"/>
-          </a:p>
-        </p:txBody>
-      </p:sp>
-      <p:pic>
-        <p:nvPicPr>
-          <p:cNvPr id="327" name="Google Shape;327;p45"/>
-          <p:cNvPicPr preferRelativeResize="0"/>
-          <p:nvPr/>
-        </p:nvPicPr>
-        <p:blipFill>
-          <a:blip r:embed="rId3">
-            <a:alphaModFix/>
-          </a:blip>
-          <a:stretch>
-            <a:fillRect/>
-          </a:stretch>
-        </p:blipFill>
-        <p:spPr>
-          <a:xfrm>
-            <a:off x="4596600" y="1919075"/>
-            <a:ext cx="3999725" cy="2993350"/>
-          </a:xfrm>
-          <a:prstGeom prst="rect">
-            <a:avLst/>
-          </a:prstGeom>
-          <a:noFill/>
-          <a:ln>
-            <a:noFill/>
-          </a:ln>
-        </p:spPr>
-      </p:pic>
-    </p:spTree>
-  </p:cSld>
-  <p:clrMapOvr>
-    <a:masterClrMapping/>
-  </p:clrMapOvr>
-</p:sld>
-</file>
-
-<file path=ppt/slides/slide21.xml><?xml version="1.0" encoding="utf-8"?>
-<p:sld xmlns:a="http://schemas.openxmlformats.org/drawingml/2006/main" xmlns:r="http://schemas.openxmlformats.org/officeDocument/2006/relationships" xmlns:p="http://schemas.openxmlformats.org/presentationml/2006/main">
-  <p:cSld>
-    <p:spTree>
-      <p:nvGrpSpPr>
-        <p:cNvPr id="1" name="Shape 331"/>
-        <p:cNvGrpSpPr/>
-        <p:nvPr/>
-      </p:nvGrpSpPr>
-      <p:grpSpPr>
-        <a:xfrm>
-          <a:off x="0" y="0"/>
-          <a:ext cx="0" cy="0"/>
-          <a:chOff x="0" y="0"/>
-          <a:chExt cx="0" cy="0"/>
-        </a:xfrm>
-      </p:grpSpPr>
-      <p:sp>
-        <p:nvSpPr>
-          <p:cNvPr id="332" name="Google Shape;332;p46"/>
-          <p:cNvSpPr txBox="1">
-            <a:spLocks noGrp="1"/>
-          </p:cNvSpPr>
-          <p:nvPr>
-            <p:ph type="title"/>
-          </p:nvPr>
-        </p:nvSpPr>
-        <p:spPr>
-          <a:xfrm>
-            <a:off x="471900" y="738725"/>
-            <a:ext cx="8222100" cy="767700"/>
-          </a:xfrm>
-          <a:prstGeom prst="rect">
-            <a:avLst/>
-          </a:prstGeom>
-        </p:spPr>
-        <p:txBody>
-          <a:bodyPr spcFirstLastPara="1" wrap="square" lIns="91425" tIns="91425" rIns="91425" bIns="91425" anchor="b" anchorCtr="0">
-            <a:noAutofit/>
-          </a:bodyPr>
-          <a:lstStyle/>
-          <a:p>
-            <a:pPr marL="0" lvl="0" indent="0" algn="l" rtl="0">
-              <a:spcBef>
-                <a:spcPts val="0"/>
-              </a:spcBef>
-              <a:spcAft>
-                <a:spcPts val="0"/>
-              </a:spcAft>
-              <a:buNone/>
-            </a:pPr>
-            <a:r>
-              <a:rPr lang="en"/>
-              <a:t>Activity - Code Review</a:t>
-            </a:r>
-            <a:endParaRPr/>
-          </a:p>
-        </p:txBody>
-      </p:sp>
-      <p:sp>
-        <p:nvSpPr>
-          <p:cNvPr id="333" name="Google Shape;333;p46"/>
-          <p:cNvSpPr txBox="1">
-            <a:spLocks noGrp="1"/>
-          </p:cNvSpPr>
-          <p:nvPr>
-            <p:ph type="body" idx="1"/>
-          </p:nvPr>
-        </p:nvSpPr>
-        <p:spPr>
-          <a:xfrm>
-            <a:off x="471900" y="1919075"/>
-            <a:ext cx="4124700" cy="2710200"/>
-          </a:xfrm>
-          <a:prstGeom prst="rect">
-            <a:avLst/>
-          </a:prstGeom>
-        </p:spPr>
-        <p:txBody>
-          <a:bodyPr spcFirstLastPara="1" wrap="square" lIns="91425" tIns="91425" rIns="91425" bIns="91425" anchor="t" anchorCtr="0">
-            <a:noAutofit/>
-          </a:bodyPr>
-          <a:lstStyle/>
-          <a:p>
-            <a:pPr marL="457200" lvl="0" indent="-342900" algn="l" rtl="0">
-              <a:spcBef>
-                <a:spcPts val="0"/>
-              </a:spcBef>
-              <a:spcAft>
-                <a:spcPts val="0"/>
-              </a:spcAft>
-              <a:buSzPts val="1800"/>
-              <a:buChar char="●"/>
-            </a:pPr>
-            <a:r>
-              <a:rPr lang="en"/>
-              <a:t>10-20 Minute Code Review</a:t>
-            </a:r>
-            <a:endParaRPr/>
-          </a:p>
-          <a:p>
-            <a:pPr marL="457200" lvl="0" indent="-342900" algn="l" rtl="0">
-              <a:spcBef>
-                <a:spcPts val="0"/>
-              </a:spcBef>
-              <a:spcAft>
-                <a:spcPts val="0"/>
-              </a:spcAft>
-              <a:buSzPts val="1800"/>
-              <a:buChar char="●"/>
-            </a:pPr>
-            <a:r>
-              <a:rPr lang="en"/>
-              <a:t>On-the-spot Feedback (Take Notes)</a:t>
-            </a:r>
-            <a:endParaRPr/>
-          </a:p>
-        </p:txBody>
-      </p:sp>
-    </p:spTree>
-  </p:cSld>
-  <p:clrMapOvr>
-    <a:masterClrMapping/>
-  </p:clrMapOvr>
-</p:sld>
-</file>
-
-<file path=ppt/slides/slide3.xml><?xml version="1.0" encoding="utf-8"?>
 <p:sld xmlns:a="http://schemas.openxmlformats.org/drawingml/2006/main" xmlns:r="http://schemas.openxmlformats.org/officeDocument/2006/relationships" xmlns:p="http://schemas.openxmlformats.org/presentationml/2006/main">
   <p:cSld>
     <p:spTree>
@@ -11768,7 +10130,7 @@
 </p:sld>
 </file>
 
-<file path=ppt/slides/slide4.xml><?xml version="1.0" encoding="utf-8"?>
+<file path=ppt/slides/slide3.xml><?xml version="1.0" encoding="utf-8"?>
 <p:sld xmlns:a="http://schemas.openxmlformats.org/drawingml/2006/main" xmlns:r="http://schemas.openxmlformats.org/officeDocument/2006/relationships" xmlns:p="http://schemas.openxmlformats.org/presentationml/2006/main">
   <p:cSld>
     <p:spTree>
@@ -13403,7 +11765,7 @@
 </p:sld>
 </file>
 
-<file path=ppt/slides/slide5.xml><?xml version="1.0" encoding="utf-8"?>
+<file path=ppt/slides/slide4.xml><?xml version="1.0" encoding="utf-8"?>
 <p:sld xmlns:a="http://schemas.openxmlformats.org/drawingml/2006/main" xmlns:r="http://schemas.openxmlformats.org/officeDocument/2006/relationships" xmlns:p="http://schemas.openxmlformats.org/presentationml/2006/main">
   <p:cSld>
     <p:spTree>
@@ -15062,7 +13424,7 @@
 </p:sld>
 </file>
 
-<file path=ppt/slides/slide6.xml><?xml version="1.0" encoding="utf-8"?>
+<file path=ppt/slides/slide5.xml><?xml version="1.0" encoding="utf-8"?>
 <p:sld xmlns:a="http://schemas.openxmlformats.org/drawingml/2006/main" xmlns:r="http://schemas.openxmlformats.org/officeDocument/2006/relationships" xmlns:p="http://schemas.openxmlformats.org/presentationml/2006/main">
   <p:cSld>
     <p:spTree>
@@ -15134,7 +13496,7 @@
 </p:sld>
 </file>
 
-<file path=ppt/slides/slide7.xml><?xml version="1.0" encoding="utf-8"?>
+<file path=ppt/slides/slide6.xml><?xml version="1.0" encoding="utf-8"?>
 <p:sld xmlns:a="http://schemas.openxmlformats.org/drawingml/2006/main" xmlns:r="http://schemas.openxmlformats.org/officeDocument/2006/relationships" xmlns:p="http://schemas.openxmlformats.org/presentationml/2006/main">
   <p:cSld>
     <p:spTree>
@@ -15374,7 +13736,7 @@
 </p:sld>
 </file>
 
-<file path=ppt/slides/slide8.xml><?xml version="1.0" encoding="utf-8"?>
+<file path=ppt/slides/slide7.xml><?xml version="1.0" encoding="utf-8"?>
 <p:sld xmlns:a="http://schemas.openxmlformats.org/drawingml/2006/main" xmlns:r="http://schemas.openxmlformats.org/officeDocument/2006/relationships" xmlns:p="http://schemas.openxmlformats.org/presentationml/2006/main">
   <p:cSld>
     <p:spTree>
@@ -15597,7 +13959,7 @@
 </p:sld>
 </file>
 
-<file path=ppt/slides/slide9.xml><?xml version="1.0" encoding="utf-8"?>
+<file path=ppt/slides/slide8.xml><?xml version="1.0" encoding="utf-8"?>
 <p:sld xmlns:a="http://schemas.openxmlformats.org/drawingml/2006/main" xmlns:r="http://schemas.openxmlformats.org/officeDocument/2006/relationships" xmlns:p="http://schemas.openxmlformats.org/presentationml/2006/main">
   <p:cSld>
     <p:spTree>
@@ -15734,6 +14096,290 @@
           <a:xfrm>
             <a:off x="5527625" y="1919075"/>
             <a:ext cx="2422200" cy="2963325"/>
+          </a:xfrm>
+          <a:prstGeom prst="rect">
+            <a:avLst/>
+          </a:prstGeom>
+          <a:noFill/>
+          <a:ln>
+            <a:noFill/>
+          </a:ln>
+        </p:spPr>
+      </p:pic>
+    </p:spTree>
+  </p:cSld>
+  <p:clrMapOvr>
+    <a:masterClrMapping/>
+  </p:clrMapOvr>
+</p:sld>
+</file>
+
+<file path=ppt/slides/slide9.xml><?xml version="1.0" encoding="utf-8"?>
+<p:sld xmlns:a="http://schemas.openxmlformats.org/drawingml/2006/main" xmlns:r="http://schemas.openxmlformats.org/officeDocument/2006/relationships" xmlns:p="http://schemas.openxmlformats.org/presentationml/2006/main">
+  <p:cSld>
+    <p:spTree>
+      <p:nvGrpSpPr>
+        <p:cNvPr id="1" name="Shape 257"/>
+        <p:cNvGrpSpPr/>
+        <p:nvPr/>
+      </p:nvGrpSpPr>
+      <p:grpSpPr>
+        <a:xfrm>
+          <a:off x="0" y="0"/>
+          <a:ext cx="0" cy="0"/>
+          <a:chOff x="0" y="0"/>
+          <a:chExt cx="0" cy="0"/>
+        </a:xfrm>
+      </p:grpSpPr>
+      <p:sp>
+        <p:nvSpPr>
+          <p:cNvPr id="258" name="Google Shape;258;p38"/>
+          <p:cNvSpPr txBox="1">
+            <a:spLocks noGrp="1"/>
+          </p:cNvSpPr>
+          <p:nvPr>
+            <p:ph type="title"/>
+          </p:nvPr>
+        </p:nvSpPr>
+        <p:spPr>
+          <a:xfrm>
+            <a:off x="471900" y="738725"/>
+            <a:ext cx="8222100" cy="767700"/>
+          </a:xfrm>
+          <a:prstGeom prst="rect">
+            <a:avLst/>
+          </a:prstGeom>
+        </p:spPr>
+        <p:txBody>
+          <a:bodyPr spcFirstLastPara="1" wrap="square" lIns="91425" tIns="91425" rIns="91425" bIns="91425" anchor="b" anchorCtr="0">
+            <a:noAutofit/>
+          </a:bodyPr>
+          <a:lstStyle/>
+          <a:p>
+            <a:pPr marL="0" lvl="0" indent="0" algn="l" rtl="0">
+              <a:spcBef>
+                <a:spcPts val="0"/>
+              </a:spcBef>
+              <a:spcAft>
+                <a:spcPts val="0"/>
+              </a:spcAft>
+              <a:buNone/>
+            </a:pPr>
+            <a:r>
+              <a:rPr lang="en"/>
+              <a:t>GitHub Projects</a:t>
+            </a:r>
+            <a:endParaRPr/>
+          </a:p>
+        </p:txBody>
+      </p:sp>
+      <p:sp>
+        <p:nvSpPr>
+          <p:cNvPr id="259" name="Google Shape;259;p38"/>
+          <p:cNvSpPr txBox="1">
+            <a:spLocks noGrp="1"/>
+          </p:cNvSpPr>
+          <p:nvPr>
+            <p:ph type="body" idx="1"/>
+          </p:nvPr>
+        </p:nvSpPr>
+        <p:spPr>
+          <a:xfrm>
+            <a:off x="471900" y="1919075"/>
+            <a:ext cx="8222100" cy="2710200"/>
+          </a:xfrm>
+          <a:prstGeom prst="rect">
+            <a:avLst/>
+          </a:prstGeom>
+        </p:spPr>
+        <p:txBody>
+          <a:bodyPr spcFirstLastPara="1" wrap="square" lIns="91425" tIns="91425" rIns="91425" bIns="91425" anchor="t" anchorCtr="0">
+            <a:noAutofit/>
+          </a:bodyPr>
+          <a:lstStyle/>
+          <a:p>
+            <a:pPr marL="457200" lvl="0" indent="-342900" algn="l" rtl="0">
+              <a:spcBef>
+                <a:spcPts val="0"/>
+              </a:spcBef>
+              <a:spcAft>
+                <a:spcPts val="0"/>
+              </a:spcAft>
+              <a:buSzPts val="1800"/>
+              <a:buChar char="●"/>
+            </a:pPr>
+            <a:r>
+              <a:rPr lang="en"/>
+              <a:t>Clear Names</a:t>
+            </a:r>
+            <a:endParaRPr/>
+          </a:p>
+          <a:p>
+            <a:pPr marL="457200" lvl="0" indent="-342900" algn="l" rtl="0">
+              <a:spcBef>
+                <a:spcPts val="0"/>
+              </a:spcBef>
+              <a:spcAft>
+                <a:spcPts val="0"/>
+              </a:spcAft>
+              <a:buSzPts val="1800"/>
+              <a:buChar char="●"/>
+            </a:pPr>
+            <a:r>
+              <a:rPr lang="en"/>
+              <a:t>Self-Contained</a:t>
+            </a:r>
+            <a:endParaRPr/>
+          </a:p>
+          <a:p>
+            <a:pPr marL="457200" lvl="0" indent="-342900" algn="l" rtl="0">
+              <a:spcBef>
+                <a:spcPts val="0"/>
+              </a:spcBef>
+              <a:spcAft>
+                <a:spcPts val="0"/>
+              </a:spcAft>
+              <a:buSzPts val="1800"/>
+              <a:buChar char="●"/>
+            </a:pPr>
+            <a:r>
+              <a:rPr lang="en"/>
+              <a:t>Clean Up Cruft</a:t>
+            </a:r>
+            <a:endParaRPr/>
+          </a:p>
+          <a:p>
+            <a:pPr marL="457200" lvl="0" indent="-342900" algn="l" rtl="0">
+              <a:spcBef>
+                <a:spcPts val="0"/>
+              </a:spcBef>
+              <a:spcAft>
+                <a:spcPts val="0"/>
+              </a:spcAft>
+              <a:buSzPts val="1800"/>
+              <a:buChar char="●"/>
+            </a:pPr>
+            <a:r>
+              <a:rPr lang="en"/>
+              <a:t>Common Files to Include:</a:t>
+            </a:r>
+            <a:endParaRPr/>
+          </a:p>
+          <a:p>
+            <a:pPr marL="914400" lvl="1" indent="-317500" algn="l" rtl="0">
+              <a:spcBef>
+                <a:spcPts val="0"/>
+              </a:spcBef>
+              <a:spcAft>
+                <a:spcPts val="0"/>
+              </a:spcAft>
+              <a:buSzPts val="1400"/>
+              <a:buChar char="○"/>
+            </a:pPr>
+            <a:r>
+              <a:rPr lang="en"/>
+              <a:t>README.md</a:t>
+            </a:r>
+            <a:endParaRPr/>
+          </a:p>
+          <a:p>
+            <a:pPr marL="1371600" lvl="2" indent="-317500" algn="l" rtl="0">
+              <a:spcBef>
+                <a:spcPts val="0"/>
+              </a:spcBef>
+              <a:spcAft>
+                <a:spcPts val="0"/>
+              </a:spcAft>
+              <a:buSzPts val="1400"/>
+              <a:buChar char="■"/>
+            </a:pPr>
+            <a:r>
+              <a:rPr lang="en" u="sng">
+                <a:solidFill>
+                  <a:schemeClr val="hlink"/>
+                </a:solidFill>
+                <a:hlinkClick r:id="rId3"/>
+              </a:rPr>
+              <a:t>Create a README</a:t>
+            </a:r>
+            <a:endParaRPr/>
+          </a:p>
+          <a:p>
+            <a:pPr marL="1371600" lvl="2" indent="-317500" algn="l" rtl="0">
+              <a:spcBef>
+                <a:spcPts val="0"/>
+              </a:spcBef>
+              <a:spcAft>
+                <a:spcPts val="0"/>
+              </a:spcAft>
+              <a:buSzPts val="1400"/>
+              <a:buChar char="■"/>
+            </a:pPr>
+            <a:r>
+              <a:rPr lang="en" u="sng">
+                <a:solidFill>
+                  <a:schemeClr val="hlink"/>
+                </a:solidFill>
+                <a:hlinkClick r:id="rId4"/>
+              </a:rPr>
+              <a:t>Mastering GitHub Markdown</a:t>
+            </a:r>
+            <a:endParaRPr/>
+          </a:p>
+          <a:p>
+            <a:pPr marL="914400" lvl="1" indent="-317500" algn="l" rtl="0">
+              <a:spcBef>
+                <a:spcPts val="0"/>
+              </a:spcBef>
+              <a:spcAft>
+                <a:spcPts val="0"/>
+              </a:spcAft>
+              <a:buSzPts val="1400"/>
+              <a:buChar char="○"/>
+            </a:pPr>
+            <a:r>
+              <a:rPr lang="en"/>
+              <a:t>License.txt</a:t>
+            </a:r>
+            <a:endParaRPr/>
+          </a:p>
+          <a:p>
+            <a:pPr marL="914400" lvl="1" indent="-317500" algn="l" rtl="0">
+              <a:spcBef>
+                <a:spcPts val="0"/>
+              </a:spcBef>
+              <a:spcAft>
+                <a:spcPts val="0"/>
+              </a:spcAft>
+              <a:buSzPts val="1400"/>
+              <a:buChar char="○"/>
+            </a:pPr>
+            <a:r>
+              <a:rPr lang="en"/>
+              <a:t>.gitignore</a:t>
+            </a:r>
+            <a:endParaRPr/>
+          </a:p>
+        </p:txBody>
+      </p:sp>
+      <p:pic>
+        <p:nvPicPr>
+          <p:cNvPr id="260" name="Google Shape;260;p38"/>
+          <p:cNvPicPr preferRelativeResize="0"/>
+          <p:nvPr/>
+        </p:nvPicPr>
+        <p:blipFill>
+          <a:blip r:embed="rId5">
+            <a:alphaModFix/>
+          </a:blip>
+          <a:stretch>
+            <a:fillRect/>
+          </a:stretch>
+        </p:blipFill>
+        <p:spPr>
+          <a:xfrm>
+            <a:off x="5211725" y="1919075"/>
+            <a:ext cx="3137751" cy="3012951"/>
           </a:xfrm>
           <a:prstGeom prst="rect">
             <a:avLst/>

--- a/Class 4 Slides.pptx
+++ b/Class 4 Slides.pptx
@@ -1718,7 +1718,7 @@
         </p:nvSpPr>
         <p:spPr>
           <a:xfrm>
-            <a:off x="381300" y="685800"/>
+            <a:off x="381000" y="685800"/>
             <a:ext cx="6096000" cy="3429000"/>
           </a:xfrm>
           <a:custGeom>
@@ -11022,9 +11022,21 @@
                   <a:cs typeface="Roboto"/>
                   <a:sym typeface="Roboto"/>
                 </a:rPr>
-                <a:t>Initial Features</a:t>
+                <a:t>Wireframes &amp; Initial </a:t>
               </a:r>
-              <a:endParaRPr sz="1800">
+              <a:r>
+                <a:rPr lang="en" sz="1800" dirty="0">
+                  <a:solidFill>
+                    <a:srgbClr val="FFFFFF"/>
+                  </a:solidFill>
+                  <a:latin typeface="Roboto"/>
+                  <a:ea typeface="Roboto"/>
+                  <a:cs typeface="Roboto"/>
+                  <a:sym typeface="Roboto"/>
+                </a:rPr>
+                <a:t>Features</a:t>
+              </a:r>
+              <a:endParaRPr sz="1800" dirty="0">
                 <a:solidFill>
                   <a:srgbClr val="FFFFFF"/>
                 </a:solidFill>

--- a/Class 4 Slides.pptx
+++ b/Class 4 Slides.pptx
@@ -1510,7 +1510,7 @@
         </p:nvSpPr>
         <p:spPr>
           <a:xfrm>
-            <a:off x="381300" y="685800"/>
+            <a:off x="381000" y="685800"/>
             <a:ext cx="6096000" cy="3429000"/>
           </a:xfrm>
           <a:custGeom>
@@ -1614,7 +1614,7 @@
         </p:nvSpPr>
         <p:spPr>
           <a:xfrm>
-            <a:off x="381300" y="685800"/>
+            <a:off x="381000" y="685800"/>
             <a:ext cx="6096000" cy="3429000"/>
           </a:xfrm>
           <a:custGeom>
@@ -9858,10 +9858,10 @@
               <a:buNone/>
             </a:pPr>
             <a:r>
-              <a:rPr lang="en" sz="1900"/>
+              <a:rPr lang="en" sz="1900" dirty="0"/>
               <a:t>Tonight’s Objectives:</a:t>
             </a:r>
-            <a:endParaRPr sz="1900"/>
+            <a:endParaRPr sz="1900" dirty="0"/>
           </a:p>
           <a:p>
             <a:pPr marL="457200" lvl="0" indent="-342900" algn="l" rtl="0">
@@ -9875,10 +9875,14 @@
               <a:buChar char="●"/>
             </a:pPr>
             <a:r>
-              <a:rPr lang="en"/>
-              <a:t>Know what an interviewer is looking for from a live coding session</a:t>
+              <a:rPr lang="en-US" dirty="0"/>
+              <a:t>How to do your </a:t>
             </a:r>
-            <a:endParaRPr/>
+            <a:r>
+              <a:rPr lang="en-US"/>
+              <a:t>personal branding!</a:t>
+            </a:r>
+            <a:endParaRPr dirty="0"/>
           </a:p>
           <a:p>
             <a:pPr marL="457200" lvl="0" indent="-342900" algn="l" rtl="0">
@@ -9892,44 +9896,10 @@
               <a:buChar char="●"/>
             </a:pPr>
             <a:r>
-              <a:rPr lang="en"/>
-              <a:t>Explain the steps necessary for a successful live coding session</a:t>
-            </a:r>
-            <a:endParaRPr/>
-          </a:p>
-          <a:p>
-            <a:pPr marL="457200" lvl="0" indent="-342900" algn="l" rtl="0">
-              <a:spcBef>
-                <a:spcPts val="0"/>
-              </a:spcBef>
-              <a:spcAft>
-                <a:spcPts val="0"/>
-              </a:spcAft>
-              <a:buSzPts val="1800"/>
-              <a:buChar char="●"/>
-            </a:pPr>
-            <a:r>
-              <a:rPr lang="en"/>
-              <a:t>Know where to find prompts for live coding practice</a:t>
-            </a:r>
-            <a:endParaRPr/>
-          </a:p>
-          <a:p>
-            <a:pPr marL="457200" lvl="0" indent="-342900" algn="l" rtl="0">
-              <a:spcBef>
-                <a:spcPts val="0"/>
-              </a:spcBef>
-              <a:spcAft>
-                <a:spcPts val="0"/>
-              </a:spcAft>
-              <a:buSzPts val="1800"/>
-              <a:buChar char="●"/>
-            </a:pPr>
-            <a:r>
-              <a:rPr lang="en"/>
+              <a:rPr lang="en" dirty="0"/>
               <a:t>Know how to give and receive good code review feedback</a:t>
             </a:r>
-            <a:endParaRPr/>
+            <a:endParaRPr dirty="0"/>
           </a:p>
         </p:txBody>
       </p:sp>
@@ -10036,10 +10006,22 @@
               <a:buChar char="●"/>
             </a:pPr>
             <a:r>
-              <a:rPr lang="en"/>
-              <a:t>Know what an interviewer is looking for from a live coding session</a:t>
+              <a:rPr lang="en-US" dirty="0"/>
+              <a:t>Personal Branding!</a:t>
             </a:r>
-            <a:endParaRPr/>
+          </a:p>
+          <a:p>
+            <a:pPr marL="457200" lvl="0" indent="-342900" algn="l" rtl="0">
+              <a:spcBef>
+                <a:spcPts val="0"/>
+              </a:spcBef>
+              <a:spcAft>
+                <a:spcPts val="0"/>
+              </a:spcAft>
+              <a:buSzPts val="1800"/>
+              <a:buChar char="●"/>
+            </a:pPr>
+            <a:endParaRPr dirty="0"/>
           </a:p>
           <a:p>
             <a:pPr marL="457200" lvl="0" indent="-342900" algn="l" rtl="0">
@@ -10053,44 +10035,10 @@
               <a:buChar char="●"/>
             </a:pPr>
             <a:r>
-              <a:rPr lang="en"/>
-              <a:t>Explain the steps necessary for a successful live coding session</a:t>
-            </a:r>
-            <a:endParaRPr/>
-          </a:p>
-          <a:p>
-            <a:pPr marL="457200" lvl="0" indent="-342900" algn="l" rtl="0">
-              <a:spcBef>
-                <a:spcPts val="0"/>
-              </a:spcBef>
-              <a:spcAft>
-                <a:spcPts val="0"/>
-              </a:spcAft>
-              <a:buSzPts val="1800"/>
-              <a:buChar char="●"/>
-            </a:pPr>
-            <a:r>
-              <a:rPr lang="en"/>
-              <a:t>Know where to find prompts for live coding practice</a:t>
-            </a:r>
-            <a:endParaRPr/>
-          </a:p>
-          <a:p>
-            <a:pPr marL="457200" lvl="0" indent="-342900" algn="l" rtl="0">
-              <a:spcBef>
-                <a:spcPts val="0"/>
-              </a:spcBef>
-              <a:spcAft>
-                <a:spcPts val="0"/>
-              </a:spcAft>
-              <a:buSzPts val="1800"/>
-              <a:buChar char="●"/>
-            </a:pPr>
-            <a:r>
-              <a:rPr lang="en"/>
+              <a:rPr lang="en" dirty="0"/>
               <a:t>Know how to give and receive good code review feedback</a:t>
             </a:r>
-            <a:endParaRPr/>
+            <a:endParaRPr dirty="0"/>
           </a:p>
         </p:txBody>
       </p:sp>

--- a/Class 4 Slides.pptx
+++ b/Class 4 Slides.pptx
@@ -8645,8 +8645,8 @@
               <a:buNone/>
             </a:pPr>
             <a:r>
-              <a:rPr lang="en-US" dirty="0"/>
-              <a:t>8/23/2021</a:t>
+              <a:rPr lang="en-US"/>
+              <a:t>8/15/2022</a:t>
             </a:r>
             <a:endParaRPr dirty="0"/>
           </a:p>
